--- a/Pierre's try for the HTM/SpindleFBDfigure_1.pptx
+++ b/Pierre's try for the HTM/SpindleFBDfigure_1.pptx
@@ -10,6 +10,7 @@
     <p:sldId id="259" r:id="rId4"/>
     <p:sldId id="260" r:id="rId5"/>
     <p:sldId id="261" r:id="rId6"/>
+    <p:sldId id="262" r:id="rId7"/>
   </p:sldIdLst>
   <p:sldSz cx="12192000" cy="6858000"/>
   <p:notesSz cx="6858000" cy="9144000"/>
@@ -271,7 +272,7 @@
           <a:p>
             <a:fld id="{6AFFC431-35AA-48DF-B824-772EF10EA9D4}" type="datetimeFigureOut">
               <a:rPr lang="en-US" smtClean="0"/>
-              <a:t>3/13/2023</a:t>
+              <a:t>4/11/2023</a:t>
             </a:fld>
             <a:endParaRPr lang="en-US"/>
           </a:p>
@@ -469,7 +470,7 @@
           <a:p>
             <a:fld id="{6AFFC431-35AA-48DF-B824-772EF10EA9D4}" type="datetimeFigureOut">
               <a:rPr lang="en-US" smtClean="0"/>
-              <a:t>3/13/2023</a:t>
+              <a:t>4/11/2023</a:t>
             </a:fld>
             <a:endParaRPr lang="en-US"/>
           </a:p>
@@ -677,7 +678,7 @@
           <a:p>
             <a:fld id="{6AFFC431-35AA-48DF-B824-772EF10EA9D4}" type="datetimeFigureOut">
               <a:rPr lang="en-US" smtClean="0"/>
-              <a:t>3/13/2023</a:t>
+              <a:t>4/11/2023</a:t>
             </a:fld>
             <a:endParaRPr lang="en-US"/>
           </a:p>
@@ -875,7 +876,7 @@
           <a:p>
             <a:fld id="{6AFFC431-35AA-48DF-B824-772EF10EA9D4}" type="datetimeFigureOut">
               <a:rPr lang="en-US" smtClean="0"/>
-              <a:t>3/13/2023</a:t>
+              <a:t>4/11/2023</a:t>
             </a:fld>
             <a:endParaRPr lang="en-US"/>
           </a:p>
@@ -1150,7 +1151,7 @@
           <a:p>
             <a:fld id="{6AFFC431-35AA-48DF-B824-772EF10EA9D4}" type="datetimeFigureOut">
               <a:rPr lang="en-US" smtClean="0"/>
-              <a:t>3/13/2023</a:t>
+              <a:t>4/11/2023</a:t>
             </a:fld>
             <a:endParaRPr lang="en-US"/>
           </a:p>
@@ -1415,7 +1416,7 @@
           <a:p>
             <a:fld id="{6AFFC431-35AA-48DF-B824-772EF10EA9D4}" type="datetimeFigureOut">
               <a:rPr lang="en-US" smtClean="0"/>
-              <a:t>3/13/2023</a:t>
+              <a:t>4/11/2023</a:t>
             </a:fld>
             <a:endParaRPr lang="en-US"/>
           </a:p>
@@ -1827,7 +1828,7 @@
           <a:p>
             <a:fld id="{6AFFC431-35AA-48DF-B824-772EF10EA9D4}" type="datetimeFigureOut">
               <a:rPr lang="en-US" smtClean="0"/>
-              <a:t>3/13/2023</a:t>
+              <a:t>4/11/2023</a:t>
             </a:fld>
             <a:endParaRPr lang="en-US"/>
           </a:p>
@@ -1968,7 +1969,7 @@
           <a:p>
             <a:fld id="{6AFFC431-35AA-48DF-B824-772EF10EA9D4}" type="datetimeFigureOut">
               <a:rPr lang="en-US" smtClean="0"/>
-              <a:t>3/13/2023</a:t>
+              <a:t>4/11/2023</a:t>
             </a:fld>
             <a:endParaRPr lang="en-US"/>
           </a:p>
@@ -2081,7 +2082,7 @@
           <a:p>
             <a:fld id="{6AFFC431-35AA-48DF-B824-772EF10EA9D4}" type="datetimeFigureOut">
               <a:rPr lang="en-US" smtClean="0"/>
-              <a:t>3/13/2023</a:t>
+              <a:t>4/11/2023</a:t>
             </a:fld>
             <a:endParaRPr lang="en-US"/>
           </a:p>
@@ -2392,7 +2393,7 @@
           <a:p>
             <a:fld id="{6AFFC431-35AA-48DF-B824-772EF10EA9D4}" type="datetimeFigureOut">
               <a:rPr lang="en-US" smtClean="0"/>
-              <a:t>3/13/2023</a:t>
+              <a:t>4/11/2023</a:t>
             </a:fld>
             <a:endParaRPr lang="en-US"/>
           </a:p>
@@ -2680,7 +2681,7 @@
           <a:p>
             <a:fld id="{6AFFC431-35AA-48DF-B824-772EF10EA9D4}" type="datetimeFigureOut">
               <a:rPr lang="en-US" smtClean="0"/>
-              <a:t>3/13/2023</a:t>
+              <a:t>4/11/2023</a:t>
             </a:fld>
             <a:endParaRPr lang="en-US"/>
           </a:p>
@@ -2921,7 +2922,7 @@
           <a:p>
             <a:fld id="{6AFFC431-35AA-48DF-B824-772EF10EA9D4}" type="datetimeFigureOut">
               <a:rPr lang="en-US" smtClean="0"/>
-              <a:t>3/13/2023</a:t>
+              <a:t>4/11/2023</a:t>
             </a:fld>
             <a:endParaRPr lang="en-US"/>
           </a:p>
@@ -21175,6 +21176,2474 @@
     <p:extLst>
       <p:ext uri="{BB962C8B-B14F-4D97-AF65-F5344CB8AC3E}">
         <p14:creationId xmlns:p14="http://schemas.microsoft.com/office/powerpoint/2010/main" val="3536040754"/>
+      </p:ext>
+    </p:extLst>
+  </p:cSld>
+  <p:clrMapOvr>
+    <a:masterClrMapping/>
+  </p:clrMapOvr>
+</p:sld>
+</file>
+
+<file path=ppt/slides/slide6.xml><?xml version="1.0" encoding="utf-8"?>
+<p:sld xmlns:a="http://schemas.openxmlformats.org/drawingml/2006/main" xmlns:r="http://schemas.openxmlformats.org/officeDocument/2006/relationships" xmlns:p="http://schemas.openxmlformats.org/presentationml/2006/main">
+  <p:cSld>
+    <p:spTree>
+      <p:nvGrpSpPr>
+        <p:cNvPr id="1" name=""/>
+        <p:cNvGrpSpPr/>
+        <p:nvPr/>
+      </p:nvGrpSpPr>
+      <p:grpSpPr>
+        <a:xfrm>
+          <a:off x="0" y="0"/>
+          <a:ext cx="0" cy="0"/>
+          <a:chOff x="0" y="0"/>
+          <a:chExt cx="0" cy="0"/>
+        </a:xfrm>
+      </p:grpSpPr>
+      <p:sp>
+        <p:nvSpPr>
+          <p:cNvPr id="2" name="Title 1">
+            <a:extLst>
+              <a:ext uri="{FF2B5EF4-FFF2-40B4-BE49-F238E27FC236}">
+                <a16:creationId xmlns:a16="http://schemas.microsoft.com/office/drawing/2014/main" id="{2024F19D-1344-0542-017B-30EE68824CD8}"/>
+              </a:ext>
+            </a:extLst>
+          </p:cNvPr>
+          <p:cNvSpPr>
+            <a:spLocks noGrp="1"/>
+          </p:cNvSpPr>
+          <p:nvPr>
+            <p:ph type="title"/>
+          </p:nvPr>
+        </p:nvSpPr>
+        <p:spPr>
+          <a:xfrm>
+            <a:off x="838200" y="401329"/>
+            <a:ext cx="10515600" cy="1325563"/>
+          </a:xfrm>
+        </p:spPr>
+        <p:txBody>
+          <a:bodyPr/>
+          <a:lstStyle/>
+          <a:p>
+            <a:r>
+              <a:rPr lang="en-US" dirty="0"/>
+              <a:t>Spindle Model - Laura</a:t>
+            </a:r>
+          </a:p>
+        </p:txBody>
+      </p:sp>
+      <p:sp>
+        <p:nvSpPr>
+          <p:cNvPr id="4" name="Rectangle 3">
+            <a:extLst>
+              <a:ext uri="{FF2B5EF4-FFF2-40B4-BE49-F238E27FC236}">
+                <a16:creationId xmlns:a16="http://schemas.microsoft.com/office/drawing/2014/main" id="{EDBEF48E-CD8A-47BF-CCD7-00D8A1031CBC}"/>
+              </a:ext>
+            </a:extLst>
+          </p:cNvPr>
+          <p:cNvSpPr/>
+          <p:nvPr/>
+        </p:nvSpPr>
+        <p:spPr>
+          <a:xfrm>
+            <a:off x="3365678" y="2447114"/>
+            <a:ext cx="4540729" cy="1192305"/>
+          </a:xfrm>
+          <a:prstGeom prst="rect">
+            <a:avLst/>
+          </a:prstGeom>
+        </p:spPr>
+        <p:style>
+          <a:lnRef idx="2">
+            <a:schemeClr val="accent1">
+              <a:shade val="50000"/>
+            </a:schemeClr>
+          </a:lnRef>
+          <a:fillRef idx="1">
+            <a:schemeClr val="accent1"/>
+          </a:fillRef>
+          <a:effectRef idx="0">
+            <a:schemeClr val="accent1"/>
+          </a:effectRef>
+          <a:fontRef idx="minor">
+            <a:schemeClr val="lt1"/>
+          </a:fontRef>
+        </p:style>
+        <p:txBody>
+          <a:bodyPr rtlCol="0" anchor="ctr"/>
+          <a:lstStyle/>
+          <a:p>
+            <a:pPr algn="ctr"/>
+            <a:endParaRPr lang="en-US"/>
+          </a:p>
+        </p:txBody>
+      </p:sp>
+      <p:sp>
+        <p:nvSpPr>
+          <p:cNvPr id="5" name="Rectangle 4">
+            <a:extLst>
+              <a:ext uri="{FF2B5EF4-FFF2-40B4-BE49-F238E27FC236}">
+                <a16:creationId xmlns:a16="http://schemas.microsoft.com/office/drawing/2014/main" id="{5DC96CEA-5697-CA80-0E7A-A4B49C8666B7}"/>
+              </a:ext>
+            </a:extLst>
+          </p:cNvPr>
+          <p:cNvSpPr/>
+          <p:nvPr/>
+        </p:nvSpPr>
+        <p:spPr>
+          <a:xfrm>
+            <a:off x="7914291" y="2622523"/>
+            <a:ext cx="685800" cy="827690"/>
+          </a:xfrm>
+          <a:prstGeom prst="rect">
+            <a:avLst/>
+          </a:prstGeom>
+        </p:spPr>
+        <p:style>
+          <a:lnRef idx="2">
+            <a:schemeClr val="accent1">
+              <a:shade val="50000"/>
+            </a:schemeClr>
+          </a:lnRef>
+          <a:fillRef idx="1">
+            <a:schemeClr val="accent1"/>
+          </a:fillRef>
+          <a:effectRef idx="0">
+            <a:schemeClr val="accent1"/>
+          </a:effectRef>
+          <a:fontRef idx="minor">
+            <a:schemeClr val="lt1"/>
+          </a:fontRef>
+        </p:style>
+        <p:txBody>
+          <a:bodyPr rtlCol="0" anchor="ctr"/>
+          <a:lstStyle/>
+          <a:p>
+            <a:pPr algn="ctr"/>
+            <a:endParaRPr lang="en-US"/>
+          </a:p>
+        </p:txBody>
+      </p:sp>
+      <p:sp>
+        <p:nvSpPr>
+          <p:cNvPr id="6" name="Rectangle 5">
+            <a:extLst>
+              <a:ext uri="{FF2B5EF4-FFF2-40B4-BE49-F238E27FC236}">
+                <a16:creationId xmlns:a16="http://schemas.microsoft.com/office/drawing/2014/main" id="{930AE236-CB18-7445-8ECF-C1604493CC59}"/>
+              </a:ext>
+            </a:extLst>
+          </p:cNvPr>
+          <p:cNvSpPr/>
+          <p:nvPr/>
+        </p:nvSpPr>
+        <p:spPr>
+          <a:xfrm>
+            <a:off x="8607975" y="2751604"/>
+            <a:ext cx="993228" cy="583324"/>
+          </a:xfrm>
+          <a:prstGeom prst="rect">
+            <a:avLst/>
+          </a:prstGeom>
+        </p:spPr>
+        <p:style>
+          <a:lnRef idx="2">
+            <a:schemeClr val="accent1">
+              <a:shade val="50000"/>
+            </a:schemeClr>
+          </a:lnRef>
+          <a:fillRef idx="1">
+            <a:schemeClr val="accent1"/>
+          </a:fillRef>
+          <a:effectRef idx="0">
+            <a:schemeClr val="accent1"/>
+          </a:effectRef>
+          <a:fontRef idx="minor">
+            <a:schemeClr val="lt1"/>
+          </a:fontRef>
+        </p:style>
+        <p:txBody>
+          <a:bodyPr rtlCol="0" anchor="ctr"/>
+          <a:lstStyle/>
+          <a:p>
+            <a:pPr algn="ctr"/>
+            <a:endParaRPr lang="en-US" dirty="0"/>
+          </a:p>
+        </p:txBody>
+      </p:sp>
+      <p:sp>
+        <p:nvSpPr>
+          <p:cNvPr id="7" name="Rectangle 6">
+            <a:extLst>
+              <a:ext uri="{FF2B5EF4-FFF2-40B4-BE49-F238E27FC236}">
+                <a16:creationId xmlns:a16="http://schemas.microsoft.com/office/drawing/2014/main" id="{6C88A44F-8709-F567-77CD-0208EB5EAC10}"/>
+              </a:ext>
+            </a:extLst>
+          </p:cNvPr>
+          <p:cNvSpPr/>
+          <p:nvPr/>
+        </p:nvSpPr>
+        <p:spPr>
+          <a:xfrm>
+            <a:off x="2624699" y="2630183"/>
+            <a:ext cx="740979" cy="827689"/>
+          </a:xfrm>
+          <a:prstGeom prst="rect">
+            <a:avLst/>
+          </a:prstGeom>
+        </p:spPr>
+        <p:style>
+          <a:lnRef idx="2">
+            <a:schemeClr val="accent1">
+              <a:shade val="50000"/>
+            </a:schemeClr>
+          </a:lnRef>
+          <a:fillRef idx="1">
+            <a:schemeClr val="accent1"/>
+          </a:fillRef>
+          <a:effectRef idx="0">
+            <a:schemeClr val="accent1"/>
+          </a:effectRef>
+          <a:fontRef idx="minor">
+            <a:schemeClr val="lt1"/>
+          </a:fontRef>
+        </p:style>
+        <p:txBody>
+          <a:bodyPr rtlCol="0" anchor="ctr"/>
+          <a:lstStyle/>
+          <a:p>
+            <a:pPr algn="ctr"/>
+            <a:endParaRPr lang="en-US"/>
+          </a:p>
+        </p:txBody>
+      </p:sp>
+      <p:sp>
+        <p:nvSpPr>
+          <p:cNvPr id="8" name="Rectangle 7">
+            <a:extLst>
+              <a:ext uri="{FF2B5EF4-FFF2-40B4-BE49-F238E27FC236}">
+                <a16:creationId xmlns:a16="http://schemas.microsoft.com/office/drawing/2014/main" id="{5279CB55-D652-2E46-34D0-C38F29831812}"/>
+              </a:ext>
+            </a:extLst>
+          </p:cNvPr>
+          <p:cNvSpPr/>
+          <p:nvPr/>
+        </p:nvSpPr>
+        <p:spPr>
+          <a:xfrm>
+            <a:off x="1622436" y="2742902"/>
+            <a:ext cx="993228" cy="583324"/>
+          </a:xfrm>
+          <a:prstGeom prst="rect">
+            <a:avLst/>
+          </a:prstGeom>
+        </p:spPr>
+        <p:style>
+          <a:lnRef idx="2">
+            <a:schemeClr val="accent1">
+              <a:shade val="50000"/>
+            </a:schemeClr>
+          </a:lnRef>
+          <a:fillRef idx="1">
+            <a:schemeClr val="accent1"/>
+          </a:fillRef>
+          <a:effectRef idx="0">
+            <a:schemeClr val="accent1"/>
+          </a:effectRef>
+          <a:fontRef idx="minor">
+            <a:schemeClr val="lt1"/>
+          </a:fontRef>
+        </p:style>
+        <p:txBody>
+          <a:bodyPr rtlCol="0" anchor="ctr"/>
+          <a:lstStyle/>
+          <a:p>
+            <a:pPr algn="ctr"/>
+            <a:endParaRPr lang="en-US"/>
+          </a:p>
+        </p:txBody>
+      </p:sp>
+      <p:cxnSp>
+        <p:nvCxnSpPr>
+          <p:cNvPr id="16" name="Straight Arrow Connector 15">
+            <a:extLst>
+              <a:ext uri="{FF2B5EF4-FFF2-40B4-BE49-F238E27FC236}">
+                <a16:creationId xmlns:a16="http://schemas.microsoft.com/office/drawing/2014/main" id="{5106D304-1DDE-1F55-6F41-AC084A333D6A}"/>
+              </a:ext>
+            </a:extLst>
+          </p:cNvPr>
+          <p:cNvCxnSpPr>
+            <a:cxnSpLocks/>
+          </p:cNvCxnSpPr>
+          <p:nvPr/>
+        </p:nvCxnSpPr>
+        <p:spPr>
+          <a:xfrm>
+            <a:off x="7914291" y="4278161"/>
+            <a:ext cx="685800" cy="0"/>
+          </a:xfrm>
+          <a:prstGeom prst="straightConnector1">
+            <a:avLst/>
+          </a:prstGeom>
+          <a:ln w="38100">
+            <a:headEnd type="triangle"/>
+            <a:tailEnd type="triangle"/>
+          </a:ln>
+        </p:spPr>
+        <p:style>
+          <a:lnRef idx="1">
+            <a:schemeClr val="accent1"/>
+          </a:lnRef>
+          <a:fillRef idx="0">
+            <a:schemeClr val="accent1"/>
+          </a:fillRef>
+          <a:effectRef idx="0">
+            <a:schemeClr val="accent1"/>
+          </a:effectRef>
+          <a:fontRef idx="minor">
+            <a:schemeClr val="tx1"/>
+          </a:fontRef>
+        </p:style>
+      </p:cxnSp>
+      <p:sp>
+        <p:nvSpPr>
+          <p:cNvPr id="20" name="TextBox 19">
+            <a:extLst>
+              <a:ext uri="{FF2B5EF4-FFF2-40B4-BE49-F238E27FC236}">
+                <a16:creationId xmlns:a16="http://schemas.microsoft.com/office/drawing/2014/main" id="{0D708F41-3EEA-0476-4A2E-B4BCC364440D}"/>
+              </a:ext>
+            </a:extLst>
+          </p:cNvPr>
+          <p:cNvSpPr txBox="1"/>
+          <p:nvPr/>
+        </p:nvSpPr>
+        <p:spPr>
+          <a:xfrm>
+            <a:off x="1477104" y="2353430"/>
+            <a:ext cx="317716" cy="369332"/>
+          </a:xfrm>
+          <a:prstGeom prst="rect">
+            <a:avLst/>
+          </a:prstGeom>
+          <a:noFill/>
+        </p:spPr>
+        <p:txBody>
+          <a:bodyPr wrap="none" rtlCol="0">
+            <a:spAutoFit/>
+          </a:bodyPr>
+          <a:lstStyle/>
+          <a:p>
+            <a:r>
+              <a:rPr lang="en-US" dirty="0"/>
+              <a:t>A</a:t>
+            </a:r>
+          </a:p>
+        </p:txBody>
+      </p:sp>
+      <p:sp>
+        <p:nvSpPr>
+          <p:cNvPr id="21" name="TextBox 20">
+            <a:extLst>
+              <a:ext uri="{FF2B5EF4-FFF2-40B4-BE49-F238E27FC236}">
+                <a16:creationId xmlns:a16="http://schemas.microsoft.com/office/drawing/2014/main" id="{DF7453C2-07F3-CAC2-D563-A246F72B58C2}"/>
+              </a:ext>
+            </a:extLst>
+          </p:cNvPr>
+          <p:cNvSpPr txBox="1"/>
+          <p:nvPr/>
+        </p:nvSpPr>
+        <p:spPr>
+          <a:xfrm>
+            <a:off x="2485839" y="2233185"/>
+            <a:ext cx="317716" cy="369332"/>
+          </a:xfrm>
+          <a:prstGeom prst="rect">
+            <a:avLst/>
+          </a:prstGeom>
+          <a:noFill/>
+        </p:spPr>
+        <p:txBody>
+          <a:bodyPr wrap="none" rtlCol="0">
+            <a:spAutoFit/>
+          </a:bodyPr>
+          <a:lstStyle/>
+          <a:p>
+            <a:r>
+              <a:rPr lang="en-US" dirty="0"/>
+              <a:t>B</a:t>
+            </a:r>
+          </a:p>
+        </p:txBody>
+      </p:sp>
+      <p:sp>
+        <p:nvSpPr>
+          <p:cNvPr id="22" name="TextBox 21">
+            <a:extLst>
+              <a:ext uri="{FF2B5EF4-FFF2-40B4-BE49-F238E27FC236}">
+                <a16:creationId xmlns:a16="http://schemas.microsoft.com/office/drawing/2014/main" id="{F74CDBC4-14CA-4BB7-5843-43AA56BC56DB}"/>
+              </a:ext>
+            </a:extLst>
+          </p:cNvPr>
+          <p:cNvSpPr txBox="1"/>
+          <p:nvPr/>
+        </p:nvSpPr>
+        <p:spPr>
+          <a:xfrm>
+            <a:off x="3369245" y="2091227"/>
+            <a:ext cx="282297" cy="369332"/>
+          </a:xfrm>
+          <a:prstGeom prst="rect">
+            <a:avLst/>
+          </a:prstGeom>
+          <a:noFill/>
+        </p:spPr>
+        <p:txBody>
+          <a:bodyPr wrap="square" rtlCol="0">
+            <a:spAutoFit/>
+          </a:bodyPr>
+          <a:lstStyle/>
+          <a:p>
+            <a:r>
+              <a:rPr lang="en-US" dirty="0"/>
+              <a:t>C</a:t>
+            </a:r>
+          </a:p>
+        </p:txBody>
+      </p:sp>
+      <p:sp>
+        <p:nvSpPr>
+          <p:cNvPr id="23" name="TextBox 22">
+            <a:extLst>
+              <a:ext uri="{FF2B5EF4-FFF2-40B4-BE49-F238E27FC236}">
+                <a16:creationId xmlns:a16="http://schemas.microsoft.com/office/drawing/2014/main" id="{9E6908BE-1BAB-6105-BD48-005AD02F89DE}"/>
+              </a:ext>
+            </a:extLst>
+          </p:cNvPr>
+          <p:cNvSpPr txBox="1"/>
+          <p:nvPr/>
+        </p:nvSpPr>
+        <p:spPr>
+          <a:xfrm>
+            <a:off x="7627142" y="2087394"/>
+            <a:ext cx="327334" cy="369332"/>
+          </a:xfrm>
+          <a:prstGeom prst="rect">
+            <a:avLst/>
+          </a:prstGeom>
+          <a:noFill/>
+        </p:spPr>
+        <p:txBody>
+          <a:bodyPr wrap="none" rtlCol="0">
+            <a:spAutoFit/>
+          </a:bodyPr>
+          <a:lstStyle/>
+          <a:p>
+            <a:r>
+              <a:rPr lang="en-US" dirty="0"/>
+              <a:t>D</a:t>
+            </a:r>
+          </a:p>
+        </p:txBody>
+      </p:sp>
+      <p:sp>
+        <p:nvSpPr>
+          <p:cNvPr id="24" name="TextBox 23">
+            <a:extLst>
+              <a:ext uri="{FF2B5EF4-FFF2-40B4-BE49-F238E27FC236}">
+                <a16:creationId xmlns:a16="http://schemas.microsoft.com/office/drawing/2014/main" id="{8908B685-9303-B6E1-37B4-851290AF5E13}"/>
+              </a:ext>
+            </a:extLst>
+          </p:cNvPr>
+          <p:cNvSpPr txBox="1"/>
+          <p:nvPr/>
+        </p:nvSpPr>
+        <p:spPr>
+          <a:xfrm>
+            <a:off x="8434670" y="2262448"/>
+            <a:ext cx="296876" cy="369332"/>
+          </a:xfrm>
+          <a:prstGeom prst="rect">
+            <a:avLst/>
+          </a:prstGeom>
+          <a:noFill/>
+        </p:spPr>
+        <p:txBody>
+          <a:bodyPr wrap="none" rtlCol="0">
+            <a:spAutoFit/>
+          </a:bodyPr>
+          <a:lstStyle/>
+          <a:p>
+            <a:r>
+              <a:rPr lang="en-US" dirty="0"/>
+              <a:t>E</a:t>
+            </a:r>
+          </a:p>
+        </p:txBody>
+      </p:sp>
+      <p:sp>
+        <p:nvSpPr>
+          <p:cNvPr id="25" name="TextBox 24">
+            <a:extLst>
+              <a:ext uri="{FF2B5EF4-FFF2-40B4-BE49-F238E27FC236}">
+                <a16:creationId xmlns:a16="http://schemas.microsoft.com/office/drawing/2014/main" id="{AF50D6D0-A428-A477-E84F-1820AAEBEA19}"/>
+              </a:ext>
+            </a:extLst>
+          </p:cNvPr>
+          <p:cNvSpPr txBox="1"/>
+          <p:nvPr/>
+        </p:nvSpPr>
+        <p:spPr>
+          <a:xfrm>
+            <a:off x="9409285" y="2390630"/>
+            <a:ext cx="296876" cy="369332"/>
+          </a:xfrm>
+          <a:prstGeom prst="rect">
+            <a:avLst/>
+          </a:prstGeom>
+          <a:noFill/>
+        </p:spPr>
+        <p:txBody>
+          <a:bodyPr wrap="none" rtlCol="0">
+            <a:spAutoFit/>
+          </a:bodyPr>
+          <a:lstStyle/>
+          <a:p>
+            <a:r>
+              <a:rPr lang="en-US" dirty="0"/>
+              <a:t>F</a:t>
+            </a:r>
+          </a:p>
+        </p:txBody>
+      </p:sp>
+      <p:sp>
+        <p:nvSpPr>
+          <p:cNvPr id="26" name="TextBox 25">
+            <a:extLst>
+              <a:ext uri="{FF2B5EF4-FFF2-40B4-BE49-F238E27FC236}">
+                <a16:creationId xmlns:a16="http://schemas.microsoft.com/office/drawing/2014/main" id="{AA48B471-E8DB-00C1-230C-BC3C890B8301}"/>
+              </a:ext>
+            </a:extLst>
+          </p:cNvPr>
+          <p:cNvSpPr txBox="1"/>
+          <p:nvPr/>
+        </p:nvSpPr>
+        <p:spPr>
+          <a:xfrm>
+            <a:off x="10923032" y="2513335"/>
+            <a:ext cx="303288" cy="369332"/>
+          </a:xfrm>
+          <a:prstGeom prst="rect">
+            <a:avLst/>
+          </a:prstGeom>
+          <a:noFill/>
+        </p:spPr>
+        <p:txBody>
+          <a:bodyPr wrap="none" rtlCol="0">
+            <a:spAutoFit/>
+          </a:bodyPr>
+          <a:lstStyle/>
+          <a:p>
+            <a:r>
+              <a:rPr lang="en-US" dirty="0"/>
+              <a:t>P</a:t>
+            </a:r>
+          </a:p>
+        </p:txBody>
+      </p:sp>
+      <p:cxnSp>
+        <p:nvCxnSpPr>
+          <p:cNvPr id="13" name="Straight Arrow Connector 12">
+            <a:extLst>
+              <a:ext uri="{FF2B5EF4-FFF2-40B4-BE49-F238E27FC236}">
+                <a16:creationId xmlns:a16="http://schemas.microsoft.com/office/drawing/2014/main" id="{FBD615AE-020F-8D94-4311-86293C36E64D}"/>
+              </a:ext>
+            </a:extLst>
+          </p:cNvPr>
+          <p:cNvCxnSpPr>
+            <a:cxnSpLocks/>
+          </p:cNvCxnSpPr>
+          <p:nvPr/>
+        </p:nvCxnSpPr>
+        <p:spPr>
+          <a:xfrm>
+            <a:off x="8581479" y="4278161"/>
+            <a:ext cx="1019724" cy="0"/>
+          </a:xfrm>
+          <a:prstGeom prst="straightConnector1">
+            <a:avLst/>
+          </a:prstGeom>
+          <a:ln w="38100">
+            <a:headEnd type="triangle"/>
+            <a:tailEnd type="triangle"/>
+          </a:ln>
+        </p:spPr>
+        <p:style>
+          <a:lnRef idx="1">
+            <a:schemeClr val="accent1"/>
+          </a:lnRef>
+          <a:fillRef idx="0">
+            <a:schemeClr val="accent1"/>
+          </a:fillRef>
+          <a:effectRef idx="0">
+            <a:schemeClr val="accent1"/>
+          </a:effectRef>
+          <a:fontRef idx="minor">
+            <a:schemeClr val="tx1"/>
+          </a:fontRef>
+        </p:style>
+      </p:cxnSp>
+      <p:cxnSp>
+        <p:nvCxnSpPr>
+          <p:cNvPr id="15" name="Straight Arrow Connector 14">
+            <a:extLst>
+              <a:ext uri="{FF2B5EF4-FFF2-40B4-BE49-F238E27FC236}">
+                <a16:creationId xmlns:a16="http://schemas.microsoft.com/office/drawing/2014/main" id="{A87D2660-0F76-D34C-DBE2-49863DC62AE6}"/>
+              </a:ext>
+            </a:extLst>
+          </p:cNvPr>
+          <p:cNvCxnSpPr>
+            <a:cxnSpLocks/>
+          </p:cNvCxnSpPr>
+          <p:nvPr/>
+        </p:nvCxnSpPr>
+        <p:spPr>
+          <a:xfrm>
+            <a:off x="9601203" y="4278161"/>
+            <a:ext cx="1511967" cy="0"/>
+          </a:xfrm>
+          <a:prstGeom prst="straightConnector1">
+            <a:avLst/>
+          </a:prstGeom>
+          <a:ln w="38100">
+            <a:headEnd type="triangle"/>
+            <a:tailEnd type="triangle"/>
+          </a:ln>
+        </p:spPr>
+        <p:style>
+          <a:lnRef idx="1">
+            <a:schemeClr val="accent1"/>
+          </a:lnRef>
+          <a:fillRef idx="0">
+            <a:schemeClr val="accent1"/>
+          </a:fillRef>
+          <a:effectRef idx="0">
+            <a:schemeClr val="accent1"/>
+          </a:effectRef>
+          <a:fontRef idx="minor">
+            <a:schemeClr val="tx1"/>
+          </a:fontRef>
+        </p:style>
+      </p:cxnSp>
+      <p:sp>
+        <p:nvSpPr>
+          <p:cNvPr id="19" name="TextBox 18">
+            <a:extLst>
+              <a:ext uri="{FF2B5EF4-FFF2-40B4-BE49-F238E27FC236}">
+                <a16:creationId xmlns:a16="http://schemas.microsoft.com/office/drawing/2014/main" id="{22BF9052-16A2-9FA8-1095-2BCED8289BDF}"/>
+              </a:ext>
+            </a:extLst>
+          </p:cNvPr>
+          <p:cNvSpPr txBox="1"/>
+          <p:nvPr/>
+        </p:nvSpPr>
+        <p:spPr>
+          <a:xfrm>
+            <a:off x="8027392" y="4279977"/>
+            <a:ext cx="953037" cy="400110"/>
+          </a:xfrm>
+          <a:prstGeom prst="rect">
+            <a:avLst/>
+          </a:prstGeom>
+          <a:noFill/>
+        </p:spPr>
+        <p:txBody>
+          <a:bodyPr wrap="square" rtlCol="0">
+            <a:spAutoFit/>
+          </a:bodyPr>
+          <a:lstStyle/>
+          <a:p>
+            <a:r>
+              <a:rPr lang="en-US" sz="2000" dirty="0"/>
+              <a:t>L</a:t>
+            </a:r>
+            <a:r>
+              <a:rPr lang="en-US" sz="2000" baseline="-25000" dirty="0"/>
+              <a:t>DE</a:t>
+            </a:r>
+          </a:p>
+        </p:txBody>
+      </p:sp>
+      <p:sp>
+        <p:nvSpPr>
+          <p:cNvPr id="28" name="TextBox 27">
+            <a:extLst>
+              <a:ext uri="{FF2B5EF4-FFF2-40B4-BE49-F238E27FC236}">
+                <a16:creationId xmlns:a16="http://schemas.microsoft.com/office/drawing/2014/main" id="{F2128340-6D5B-263B-4BAC-884C6663EFA9}"/>
+              </a:ext>
+            </a:extLst>
+          </p:cNvPr>
+          <p:cNvSpPr txBox="1"/>
+          <p:nvPr/>
+        </p:nvSpPr>
+        <p:spPr>
+          <a:xfrm>
+            <a:off x="8913253" y="4279057"/>
+            <a:ext cx="953037" cy="400110"/>
+          </a:xfrm>
+          <a:prstGeom prst="rect">
+            <a:avLst/>
+          </a:prstGeom>
+          <a:noFill/>
+        </p:spPr>
+        <p:txBody>
+          <a:bodyPr wrap="square" rtlCol="0">
+            <a:spAutoFit/>
+          </a:bodyPr>
+          <a:lstStyle/>
+          <a:p>
+            <a:r>
+              <a:rPr lang="en-US" sz="2000" dirty="0"/>
+              <a:t>L</a:t>
+            </a:r>
+            <a:r>
+              <a:rPr lang="en-US" sz="2000" baseline="-25000" dirty="0"/>
+              <a:t>EF</a:t>
+            </a:r>
+          </a:p>
+        </p:txBody>
+      </p:sp>
+      <p:sp>
+        <p:nvSpPr>
+          <p:cNvPr id="29" name="TextBox 28">
+            <a:extLst>
+              <a:ext uri="{FF2B5EF4-FFF2-40B4-BE49-F238E27FC236}">
+                <a16:creationId xmlns:a16="http://schemas.microsoft.com/office/drawing/2014/main" id="{C43B6405-1E4B-0B88-A305-93CC44E3D8D7}"/>
+              </a:ext>
+            </a:extLst>
+          </p:cNvPr>
+          <p:cNvSpPr txBox="1"/>
+          <p:nvPr/>
+        </p:nvSpPr>
+        <p:spPr>
+          <a:xfrm>
+            <a:off x="10076016" y="4259157"/>
+            <a:ext cx="953037" cy="400110"/>
+          </a:xfrm>
+          <a:prstGeom prst="rect">
+            <a:avLst/>
+          </a:prstGeom>
+          <a:noFill/>
+        </p:spPr>
+        <p:txBody>
+          <a:bodyPr wrap="square" rtlCol="0">
+            <a:spAutoFit/>
+          </a:bodyPr>
+          <a:lstStyle/>
+          <a:p>
+            <a:r>
+              <a:rPr lang="en-US" sz="2000" dirty="0" err="1"/>
+              <a:t>L</a:t>
+            </a:r>
+            <a:r>
+              <a:rPr lang="en-US" sz="2000" baseline="-25000" dirty="0" err="1"/>
+              <a:t>part</a:t>
+            </a:r>
+            <a:endParaRPr lang="en-US" sz="2000" baseline="-25000" dirty="0"/>
+          </a:p>
+        </p:txBody>
+      </p:sp>
+      <p:sp>
+        <p:nvSpPr>
+          <p:cNvPr id="11" name="Rectangle 10">
+            <a:extLst>
+              <a:ext uri="{FF2B5EF4-FFF2-40B4-BE49-F238E27FC236}">
+                <a16:creationId xmlns:a16="http://schemas.microsoft.com/office/drawing/2014/main" id="{F52F3709-5806-B868-99EC-ED719FA94456}"/>
+              </a:ext>
+            </a:extLst>
+          </p:cNvPr>
+          <p:cNvSpPr/>
+          <p:nvPr/>
+        </p:nvSpPr>
+        <p:spPr>
+          <a:xfrm>
+            <a:off x="9601203" y="2906809"/>
+            <a:ext cx="1511967" cy="272913"/>
+          </a:xfrm>
+          <a:prstGeom prst="rect">
+            <a:avLst/>
+          </a:prstGeom>
+        </p:spPr>
+        <p:style>
+          <a:lnRef idx="2">
+            <a:schemeClr val="accent1">
+              <a:shade val="50000"/>
+            </a:schemeClr>
+          </a:lnRef>
+          <a:fillRef idx="1">
+            <a:schemeClr val="accent1"/>
+          </a:fillRef>
+          <a:effectRef idx="0">
+            <a:schemeClr val="accent1"/>
+          </a:effectRef>
+          <a:fontRef idx="minor">
+            <a:schemeClr val="lt1"/>
+          </a:fontRef>
+        </p:style>
+        <p:txBody>
+          <a:bodyPr rtlCol="0" anchor="ctr"/>
+          <a:lstStyle/>
+          <a:p>
+            <a:pPr algn="ctr"/>
+            <a:endParaRPr lang="en-US" dirty="0"/>
+          </a:p>
+        </p:txBody>
+      </p:sp>
+      <p:cxnSp>
+        <p:nvCxnSpPr>
+          <p:cNvPr id="43" name="Straight Arrow Connector 42">
+            <a:extLst>
+              <a:ext uri="{FF2B5EF4-FFF2-40B4-BE49-F238E27FC236}">
+                <a16:creationId xmlns:a16="http://schemas.microsoft.com/office/drawing/2014/main" id="{789237B9-0512-B13E-76C5-801F84EBCBF6}"/>
+              </a:ext>
+            </a:extLst>
+          </p:cNvPr>
+          <p:cNvCxnSpPr>
+            <a:cxnSpLocks/>
+          </p:cNvCxnSpPr>
+          <p:nvPr/>
+        </p:nvCxnSpPr>
+        <p:spPr>
+          <a:xfrm>
+            <a:off x="4093124" y="4279977"/>
+            <a:ext cx="3121760" cy="0"/>
+          </a:xfrm>
+          <a:prstGeom prst="straightConnector1">
+            <a:avLst/>
+          </a:prstGeom>
+          <a:ln w="38100">
+            <a:headEnd type="triangle"/>
+            <a:tailEnd type="triangle"/>
+          </a:ln>
+        </p:spPr>
+        <p:style>
+          <a:lnRef idx="1">
+            <a:schemeClr val="accent1"/>
+          </a:lnRef>
+          <a:fillRef idx="0">
+            <a:schemeClr val="accent1"/>
+          </a:fillRef>
+          <a:effectRef idx="0">
+            <a:schemeClr val="accent1"/>
+          </a:effectRef>
+          <a:fontRef idx="minor">
+            <a:schemeClr val="tx1"/>
+          </a:fontRef>
+        </p:style>
+      </p:cxnSp>
+      <p:sp>
+        <p:nvSpPr>
+          <p:cNvPr id="44" name="TextBox 43">
+            <a:extLst>
+              <a:ext uri="{FF2B5EF4-FFF2-40B4-BE49-F238E27FC236}">
+                <a16:creationId xmlns:a16="http://schemas.microsoft.com/office/drawing/2014/main" id="{E3E55010-CBC4-DA56-A44A-43F3E65AC648}"/>
+              </a:ext>
+            </a:extLst>
+          </p:cNvPr>
+          <p:cNvSpPr txBox="1"/>
+          <p:nvPr/>
+        </p:nvSpPr>
+        <p:spPr>
+          <a:xfrm>
+            <a:off x="4876848" y="4255340"/>
+            <a:ext cx="1297699" cy="400110"/>
+          </a:xfrm>
+          <a:prstGeom prst="rect">
+            <a:avLst/>
+          </a:prstGeom>
+          <a:noFill/>
+        </p:spPr>
+        <p:txBody>
+          <a:bodyPr wrap="square" rtlCol="0">
+            <a:spAutoFit/>
+          </a:bodyPr>
+          <a:lstStyle/>
+          <a:p>
+            <a:r>
+              <a:rPr lang="en-US" sz="2000" dirty="0" err="1"/>
+              <a:t>L</a:t>
+            </a:r>
+            <a:r>
+              <a:rPr lang="en-US" sz="2000" baseline="-25000" dirty="0" err="1"/>
+              <a:t>ab_bearing</a:t>
+            </a:r>
+            <a:endParaRPr lang="en-US" sz="2000" baseline="-25000" dirty="0"/>
+          </a:p>
+        </p:txBody>
+      </p:sp>
+      <p:cxnSp>
+        <p:nvCxnSpPr>
+          <p:cNvPr id="46" name="Straight Arrow Connector 45">
+            <a:extLst>
+              <a:ext uri="{FF2B5EF4-FFF2-40B4-BE49-F238E27FC236}">
+                <a16:creationId xmlns:a16="http://schemas.microsoft.com/office/drawing/2014/main" id="{AD4225EC-0BCF-E67B-284C-2698C26033C9}"/>
+              </a:ext>
+            </a:extLst>
+          </p:cNvPr>
+          <p:cNvCxnSpPr>
+            <a:cxnSpLocks/>
+          </p:cNvCxnSpPr>
+          <p:nvPr/>
+        </p:nvCxnSpPr>
+        <p:spPr>
+          <a:xfrm>
+            <a:off x="3365678" y="4271972"/>
+            <a:ext cx="720981" cy="0"/>
+          </a:xfrm>
+          <a:prstGeom prst="straightConnector1">
+            <a:avLst/>
+          </a:prstGeom>
+          <a:ln w="38100">
+            <a:headEnd type="triangle"/>
+            <a:tailEnd type="triangle"/>
+          </a:ln>
+        </p:spPr>
+        <p:style>
+          <a:lnRef idx="1">
+            <a:schemeClr val="accent1"/>
+          </a:lnRef>
+          <a:fillRef idx="0">
+            <a:schemeClr val="accent1"/>
+          </a:fillRef>
+          <a:effectRef idx="0">
+            <a:schemeClr val="accent1"/>
+          </a:effectRef>
+          <a:fontRef idx="minor">
+            <a:schemeClr val="tx1"/>
+          </a:fontRef>
+        </p:style>
+      </p:cxnSp>
+      <p:sp>
+        <p:nvSpPr>
+          <p:cNvPr id="47" name="TextBox 46">
+            <a:extLst>
+              <a:ext uri="{FF2B5EF4-FFF2-40B4-BE49-F238E27FC236}">
+                <a16:creationId xmlns:a16="http://schemas.microsoft.com/office/drawing/2014/main" id="{0A1620E7-84F7-69FE-B152-D465524BD460}"/>
+              </a:ext>
+            </a:extLst>
+          </p:cNvPr>
+          <p:cNvSpPr txBox="1"/>
+          <p:nvPr/>
+        </p:nvSpPr>
+        <p:spPr>
+          <a:xfrm>
+            <a:off x="3306987" y="4259930"/>
+            <a:ext cx="953037" cy="400110"/>
+          </a:xfrm>
+          <a:prstGeom prst="rect">
+            <a:avLst/>
+          </a:prstGeom>
+          <a:noFill/>
+        </p:spPr>
+        <p:txBody>
+          <a:bodyPr wrap="square" rtlCol="0">
+            <a:spAutoFit/>
+          </a:bodyPr>
+          <a:lstStyle/>
+          <a:p>
+            <a:r>
+              <a:rPr lang="en-US" sz="2000" dirty="0" err="1"/>
+              <a:t>a</a:t>
+            </a:r>
+            <a:r>
+              <a:rPr lang="en-US" sz="2000" baseline="-25000" dirty="0" err="1"/>
+              <a:t>Bearing</a:t>
+            </a:r>
+            <a:endParaRPr lang="en-US" sz="2000" baseline="-25000" dirty="0"/>
+          </a:p>
+        </p:txBody>
+      </p:sp>
+      <p:cxnSp>
+        <p:nvCxnSpPr>
+          <p:cNvPr id="49" name="Straight Connector 48">
+            <a:extLst>
+              <a:ext uri="{FF2B5EF4-FFF2-40B4-BE49-F238E27FC236}">
+                <a16:creationId xmlns:a16="http://schemas.microsoft.com/office/drawing/2014/main" id="{713ED984-D30C-B00D-33DF-A07A038BF193}"/>
+              </a:ext>
+            </a:extLst>
+          </p:cNvPr>
+          <p:cNvCxnSpPr>
+            <a:cxnSpLocks/>
+            <a:stCxn id="8" idx="1"/>
+          </p:cNvCxnSpPr>
+          <p:nvPr/>
+        </p:nvCxnSpPr>
+        <p:spPr>
+          <a:xfrm>
+            <a:off x="1622436" y="3034564"/>
+            <a:ext cx="0" cy="2324204"/>
+          </a:xfrm>
+          <a:prstGeom prst="line">
+            <a:avLst/>
+          </a:prstGeom>
+          <a:ln w="19050">
+            <a:prstDash val="dash"/>
+          </a:ln>
+        </p:spPr>
+        <p:style>
+          <a:lnRef idx="1">
+            <a:schemeClr val="accent1"/>
+          </a:lnRef>
+          <a:fillRef idx="0">
+            <a:schemeClr val="accent1"/>
+          </a:fillRef>
+          <a:effectRef idx="0">
+            <a:schemeClr val="accent1"/>
+          </a:effectRef>
+          <a:fontRef idx="minor">
+            <a:schemeClr val="tx1"/>
+          </a:fontRef>
+        </p:style>
+      </p:cxnSp>
+      <p:cxnSp>
+        <p:nvCxnSpPr>
+          <p:cNvPr id="53" name="Straight Connector 52">
+            <a:extLst>
+              <a:ext uri="{FF2B5EF4-FFF2-40B4-BE49-F238E27FC236}">
+                <a16:creationId xmlns:a16="http://schemas.microsoft.com/office/drawing/2014/main" id="{F35FAE9A-3990-C320-1DFD-774D18521DCA}"/>
+              </a:ext>
+            </a:extLst>
+          </p:cNvPr>
+          <p:cNvCxnSpPr>
+            <a:cxnSpLocks/>
+          </p:cNvCxnSpPr>
+          <p:nvPr/>
+        </p:nvCxnSpPr>
+        <p:spPr>
+          <a:xfrm>
+            <a:off x="7906407" y="3030179"/>
+            <a:ext cx="0" cy="1241793"/>
+          </a:xfrm>
+          <a:prstGeom prst="line">
+            <a:avLst/>
+          </a:prstGeom>
+          <a:ln w="19050">
+            <a:prstDash val="dash"/>
+          </a:ln>
+        </p:spPr>
+        <p:style>
+          <a:lnRef idx="1">
+            <a:schemeClr val="accent1"/>
+          </a:lnRef>
+          <a:fillRef idx="0">
+            <a:schemeClr val="accent1"/>
+          </a:fillRef>
+          <a:effectRef idx="0">
+            <a:schemeClr val="accent1"/>
+          </a:effectRef>
+          <a:fontRef idx="minor">
+            <a:schemeClr val="tx1"/>
+          </a:fontRef>
+        </p:style>
+      </p:cxnSp>
+      <p:cxnSp>
+        <p:nvCxnSpPr>
+          <p:cNvPr id="54" name="Straight Connector 53">
+            <a:extLst>
+              <a:ext uri="{FF2B5EF4-FFF2-40B4-BE49-F238E27FC236}">
+                <a16:creationId xmlns:a16="http://schemas.microsoft.com/office/drawing/2014/main" id="{5DF9B1BA-5D28-80B4-8E7D-979C80468AE8}"/>
+              </a:ext>
+            </a:extLst>
+          </p:cNvPr>
+          <p:cNvCxnSpPr>
+            <a:cxnSpLocks/>
+          </p:cNvCxnSpPr>
+          <p:nvPr/>
+        </p:nvCxnSpPr>
+        <p:spPr>
+          <a:xfrm>
+            <a:off x="8600091" y="3060122"/>
+            <a:ext cx="0" cy="2296468"/>
+          </a:xfrm>
+          <a:prstGeom prst="line">
+            <a:avLst/>
+          </a:prstGeom>
+          <a:ln w="19050">
+            <a:prstDash val="dash"/>
+          </a:ln>
+        </p:spPr>
+        <p:style>
+          <a:lnRef idx="1">
+            <a:schemeClr val="accent1"/>
+          </a:lnRef>
+          <a:fillRef idx="0">
+            <a:schemeClr val="accent1"/>
+          </a:fillRef>
+          <a:effectRef idx="0">
+            <a:schemeClr val="accent1"/>
+          </a:effectRef>
+          <a:fontRef idx="minor">
+            <a:schemeClr val="tx1"/>
+          </a:fontRef>
+        </p:style>
+      </p:cxnSp>
+      <p:cxnSp>
+        <p:nvCxnSpPr>
+          <p:cNvPr id="55" name="Straight Connector 54">
+            <a:extLst>
+              <a:ext uri="{FF2B5EF4-FFF2-40B4-BE49-F238E27FC236}">
+                <a16:creationId xmlns:a16="http://schemas.microsoft.com/office/drawing/2014/main" id="{9B54A1F7-62A5-96B0-42C2-2CAF688D2E0E}"/>
+              </a:ext>
+            </a:extLst>
+          </p:cNvPr>
+          <p:cNvCxnSpPr>
+            <a:cxnSpLocks/>
+          </p:cNvCxnSpPr>
+          <p:nvPr/>
+        </p:nvCxnSpPr>
+        <p:spPr>
+          <a:xfrm>
+            <a:off x="9590958" y="3030179"/>
+            <a:ext cx="0" cy="1225161"/>
+          </a:xfrm>
+          <a:prstGeom prst="line">
+            <a:avLst/>
+          </a:prstGeom>
+          <a:ln w="19050">
+            <a:prstDash val="dash"/>
+          </a:ln>
+        </p:spPr>
+        <p:style>
+          <a:lnRef idx="1">
+            <a:schemeClr val="accent1"/>
+          </a:lnRef>
+          <a:fillRef idx="0">
+            <a:schemeClr val="accent1"/>
+          </a:fillRef>
+          <a:effectRef idx="0">
+            <a:schemeClr val="accent1"/>
+          </a:effectRef>
+          <a:fontRef idx="minor">
+            <a:schemeClr val="tx1"/>
+          </a:fontRef>
+        </p:style>
+      </p:cxnSp>
+      <p:cxnSp>
+        <p:nvCxnSpPr>
+          <p:cNvPr id="56" name="Straight Connector 55">
+            <a:extLst>
+              <a:ext uri="{FF2B5EF4-FFF2-40B4-BE49-F238E27FC236}">
+                <a16:creationId xmlns:a16="http://schemas.microsoft.com/office/drawing/2014/main" id="{F550D876-F6E2-3191-830E-EAD88A7C1CD3}"/>
+              </a:ext>
+            </a:extLst>
+          </p:cNvPr>
+          <p:cNvCxnSpPr>
+            <a:cxnSpLocks/>
+          </p:cNvCxnSpPr>
+          <p:nvPr/>
+        </p:nvCxnSpPr>
+        <p:spPr>
+          <a:xfrm>
+            <a:off x="11113170" y="3030179"/>
+            <a:ext cx="0" cy="2841231"/>
+          </a:xfrm>
+          <a:prstGeom prst="line">
+            <a:avLst/>
+          </a:prstGeom>
+          <a:ln w="19050">
+            <a:prstDash val="dash"/>
+          </a:ln>
+        </p:spPr>
+        <p:style>
+          <a:lnRef idx="1">
+            <a:schemeClr val="accent1"/>
+          </a:lnRef>
+          <a:fillRef idx="0">
+            <a:schemeClr val="accent1"/>
+          </a:fillRef>
+          <a:effectRef idx="0">
+            <a:schemeClr val="accent1"/>
+          </a:effectRef>
+          <a:fontRef idx="minor">
+            <a:schemeClr val="tx1"/>
+          </a:fontRef>
+        </p:style>
+      </p:cxnSp>
+      <p:cxnSp>
+        <p:nvCxnSpPr>
+          <p:cNvPr id="60" name="Straight Connector 59">
+            <a:extLst>
+              <a:ext uri="{FF2B5EF4-FFF2-40B4-BE49-F238E27FC236}">
+                <a16:creationId xmlns:a16="http://schemas.microsoft.com/office/drawing/2014/main" id="{E2861540-3826-D38A-545F-4036B5C7027B}"/>
+              </a:ext>
+            </a:extLst>
+          </p:cNvPr>
+          <p:cNvCxnSpPr>
+            <a:cxnSpLocks/>
+          </p:cNvCxnSpPr>
+          <p:nvPr/>
+        </p:nvCxnSpPr>
+        <p:spPr>
+          <a:xfrm>
+            <a:off x="3365678" y="3097178"/>
+            <a:ext cx="0" cy="1200668"/>
+          </a:xfrm>
+          <a:prstGeom prst="line">
+            <a:avLst/>
+          </a:prstGeom>
+          <a:ln w="19050">
+            <a:prstDash val="dash"/>
+          </a:ln>
+        </p:spPr>
+        <p:style>
+          <a:lnRef idx="1">
+            <a:schemeClr val="accent1"/>
+          </a:lnRef>
+          <a:fillRef idx="0">
+            <a:schemeClr val="accent1"/>
+          </a:fillRef>
+          <a:effectRef idx="0">
+            <a:schemeClr val="accent1"/>
+          </a:effectRef>
+          <a:fontRef idx="minor">
+            <a:schemeClr val="tx1"/>
+          </a:fontRef>
+        </p:style>
+      </p:cxnSp>
+      <p:cxnSp>
+        <p:nvCxnSpPr>
+          <p:cNvPr id="63" name="Straight Arrow Connector 62">
+            <a:extLst>
+              <a:ext uri="{FF2B5EF4-FFF2-40B4-BE49-F238E27FC236}">
+                <a16:creationId xmlns:a16="http://schemas.microsoft.com/office/drawing/2014/main" id="{A8D3CFB4-41C9-4925-F6F8-0DC448BC3321}"/>
+              </a:ext>
+            </a:extLst>
+          </p:cNvPr>
+          <p:cNvCxnSpPr>
+            <a:cxnSpLocks/>
+          </p:cNvCxnSpPr>
+          <p:nvPr/>
+        </p:nvCxnSpPr>
+        <p:spPr>
+          <a:xfrm>
+            <a:off x="7194291" y="4271972"/>
+            <a:ext cx="720000" cy="0"/>
+          </a:xfrm>
+          <a:prstGeom prst="straightConnector1">
+            <a:avLst/>
+          </a:prstGeom>
+          <a:ln w="38100">
+            <a:headEnd type="triangle"/>
+            <a:tailEnd type="triangle"/>
+          </a:ln>
+        </p:spPr>
+        <p:style>
+          <a:lnRef idx="1">
+            <a:schemeClr val="accent1"/>
+          </a:lnRef>
+          <a:fillRef idx="0">
+            <a:schemeClr val="accent1"/>
+          </a:fillRef>
+          <a:effectRef idx="0">
+            <a:schemeClr val="accent1"/>
+          </a:effectRef>
+          <a:fontRef idx="minor">
+            <a:schemeClr val="tx1"/>
+          </a:fontRef>
+        </p:style>
+      </p:cxnSp>
+      <p:sp>
+        <p:nvSpPr>
+          <p:cNvPr id="68" name="TextBox 67">
+            <a:extLst>
+              <a:ext uri="{FF2B5EF4-FFF2-40B4-BE49-F238E27FC236}">
+                <a16:creationId xmlns:a16="http://schemas.microsoft.com/office/drawing/2014/main" id="{392C860A-DF38-43AC-80D4-0F19EDB6A5D7}"/>
+              </a:ext>
+            </a:extLst>
+          </p:cNvPr>
+          <p:cNvSpPr txBox="1"/>
+          <p:nvPr/>
+        </p:nvSpPr>
+        <p:spPr>
+          <a:xfrm>
+            <a:off x="7133178" y="4239902"/>
+            <a:ext cx="953037" cy="400110"/>
+          </a:xfrm>
+          <a:prstGeom prst="rect">
+            <a:avLst/>
+          </a:prstGeom>
+          <a:noFill/>
+        </p:spPr>
+        <p:txBody>
+          <a:bodyPr wrap="square" rtlCol="0">
+            <a:spAutoFit/>
+          </a:bodyPr>
+          <a:lstStyle/>
+          <a:p>
+            <a:r>
+              <a:rPr lang="en-US" sz="2000" dirty="0" err="1"/>
+              <a:t>a</a:t>
+            </a:r>
+            <a:r>
+              <a:rPr lang="en-US" sz="2000" baseline="-25000" dirty="0" err="1"/>
+              <a:t>Bearing</a:t>
+            </a:r>
+            <a:endParaRPr lang="en-US" sz="2000" baseline="-25000" dirty="0"/>
+          </a:p>
+        </p:txBody>
+      </p:sp>
+      <p:cxnSp>
+        <p:nvCxnSpPr>
+          <p:cNvPr id="69" name="Straight Connector 68">
+            <a:extLst>
+              <a:ext uri="{FF2B5EF4-FFF2-40B4-BE49-F238E27FC236}">
+                <a16:creationId xmlns:a16="http://schemas.microsoft.com/office/drawing/2014/main" id="{FE3B563D-E08E-C082-72C2-466386C6CD73}"/>
+              </a:ext>
+            </a:extLst>
+          </p:cNvPr>
+          <p:cNvCxnSpPr>
+            <a:cxnSpLocks/>
+          </p:cNvCxnSpPr>
+          <p:nvPr/>
+        </p:nvCxnSpPr>
+        <p:spPr>
+          <a:xfrm>
+            <a:off x="4091917" y="3146159"/>
+            <a:ext cx="0" cy="1692581"/>
+          </a:xfrm>
+          <a:prstGeom prst="line">
+            <a:avLst/>
+          </a:prstGeom>
+          <a:ln w="19050">
+            <a:prstDash val="dash"/>
+          </a:ln>
+        </p:spPr>
+        <p:style>
+          <a:lnRef idx="1">
+            <a:schemeClr val="accent1"/>
+          </a:lnRef>
+          <a:fillRef idx="0">
+            <a:schemeClr val="accent1"/>
+          </a:fillRef>
+          <a:effectRef idx="0">
+            <a:schemeClr val="accent1"/>
+          </a:effectRef>
+          <a:fontRef idx="minor">
+            <a:schemeClr val="tx1"/>
+          </a:fontRef>
+        </p:style>
+      </p:cxnSp>
+      <p:cxnSp>
+        <p:nvCxnSpPr>
+          <p:cNvPr id="70" name="Straight Connector 69">
+            <a:extLst>
+              <a:ext uri="{FF2B5EF4-FFF2-40B4-BE49-F238E27FC236}">
+                <a16:creationId xmlns:a16="http://schemas.microsoft.com/office/drawing/2014/main" id="{D429D373-0E09-217E-EF3B-00DB6111904E}"/>
+              </a:ext>
+            </a:extLst>
+          </p:cNvPr>
+          <p:cNvCxnSpPr>
+            <a:cxnSpLocks/>
+          </p:cNvCxnSpPr>
+          <p:nvPr/>
+        </p:nvCxnSpPr>
+        <p:spPr>
+          <a:xfrm>
+            <a:off x="3093495" y="2385125"/>
+            <a:ext cx="993164" cy="674997"/>
+          </a:xfrm>
+          <a:prstGeom prst="line">
+            <a:avLst/>
+          </a:prstGeom>
+          <a:ln w="19050">
+            <a:solidFill>
+              <a:srgbClr val="FF0000"/>
+            </a:solidFill>
+            <a:prstDash val="dash"/>
+          </a:ln>
+        </p:spPr>
+        <p:style>
+          <a:lnRef idx="1">
+            <a:schemeClr val="accent1"/>
+          </a:lnRef>
+          <a:fillRef idx="0">
+            <a:schemeClr val="accent1"/>
+          </a:fillRef>
+          <a:effectRef idx="0">
+            <a:schemeClr val="accent1"/>
+          </a:effectRef>
+          <a:fontRef idx="minor">
+            <a:schemeClr val="tx1"/>
+          </a:fontRef>
+        </p:style>
+      </p:cxnSp>
+      <p:sp>
+        <p:nvSpPr>
+          <p:cNvPr id="73" name="Rectangle 72">
+            <a:extLst>
+              <a:ext uri="{FF2B5EF4-FFF2-40B4-BE49-F238E27FC236}">
+                <a16:creationId xmlns:a16="http://schemas.microsoft.com/office/drawing/2014/main" id="{5808B22F-DDA5-A8CA-0DDD-00E708F02BE2}"/>
+              </a:ext>
+            </a:extLst>
+          </p:cNvPr>
+          <p:cNvSpPr/>
+          <p:nvPr/>
+        </p:nvSpPr>
+        <p:spPr>
+          <a:xfrm>
+            <a:off x="2785822" y="2128121"/>
+            <a:ext cx="579832" cy="502062"/>
+          </a:xfrm>
+          <a:prstGeom prst="rect">
+            <a:avLst/>
+          </a:prstGeom>
+          <a:noFill/>
+          <a:ln>
+            <a:solidFill>
+              <a:schemeClr val="accent2">
+                <a:lumMod val="75000"/>
+              </a:schemeClr>
+            </a:solidFill>
+          </a:ln>
+        </p:spPr>
+        <p:style>
+          <a:lnRef idx="2">
+            <a:schemeClr val="accent1">
+              <a:shade val="50000"/>
+            </a:schemeClr>
+          </a:lnRef>
+          <a:fillRef idx="1">
+            <a:schemeClr val="accent1"/>
+          </a:fillRef>
+          <a:effectRef idx="0">
+            <a:schemeClr val="accent1"/>
+          </a:effectRef>
+          <a:fontRef idx="minor">
+            <a:schemeClr val="lt1"/>
+          </a:fontRef>
+        </p:style>
+        <p:txBody>
+          <a:bodyPr rtlCol="0" anchor="ctr"/>
+          <a:lstStyle/>
+          <a:p>
+            <a:pPr algn="ctr"/>
+            <a:endParaRPr lang="en-GB"/>
+          </a:p>
+        </p:txBody>
+      </p:sp>
+      <p:cxnSp>
+        <p:nvCxnSpPr>
+          <p:cNvPr id="74" name="Straight Connector 73">
+            <a:extLst>
+              <a:ext uri="{FF2B5EF4-FFF2-40B4-BE49-F238E27FC236}">
+                <a16:creationId xmlns:a16="http://schemas.microsoft.com/office/drawing/2014/main" id="{EE69E14F-08A7-D3FB-76A5-5E4AA9E213A5}"/>
+              </a:ext>
+            </a:extLst>
+          </p:cNvPr>
+          <p:cNvCxnSpPr>
+            <a:cxnSpLocks/>
+          </p:cNvCxnSpPr>
+          <p:nvPr/>
+        </p:nvCxnSpPr>
+        <p:spPr>
+          <a:xfrm flipH="1">
+            <a:off x="2913071" y="2272990"/>
+            <a:ext cx="308114" cy="256303"/>
+          </a:xfrm>
+          <a:prstGeom prst="line">
+            <a:avLst/>
+          </a:prstGeom>
+          <a:ln w="19050">
+            <a:solidFill>
+              <a:schemeClr val="accent2">
+                <a:lumMod val="75000"/>
+              </a:schemeClr>
+            </a:solidFill>
+            <a:prstDash val="solid"/>
+          </a:ln>
+        </p:spPr>
+        <p:style>
+          <a:lnRef idx="1">
+            <a:schemeClr val="accent1"/>
+          </a:lnRef>
+          <a:fillRef idx="0">
+            <a:schemeClr val="accent1"/>
+          </a:fillRef>
+          <a:effectRef idx="0">
+            <a:schemeClr val="accent1"/>
+          </a:effectRef>
+          <a:fontRef idx="minor">
+            <a:schemeClr val="tx1"/>
+          </a:fontRef>
+        </p:style>
+      </p:cxnSp>
+      <p:cxnSp>
+        <p:nvCxnSpPr>
+          <p:cNvPr id="78" name="Straight Connector 77">
+            <a:extLst>
+              <a:ext uri="{FF2B5EF4-FFF2-40B4-BE49-F238E27FC236}">
+                <a16:creationId xmlns:a16="http://schemas.microsoft.com/office/drawing/2014/main" id="{16A2120E-2C3C-6BE6-5A27-2B0C9786E4EB}"/>
+              </a:ext>
+            </a:extLst>
+          </p:cNvPr>
+          <p:cNvCxnSpPr>
+            <a:cxnSpLocks/>
+          </p:cNvCxnSpPr>
+          <p:nvPr/>
+        </p:nvCxnSpPr>
+        <p:spPr>
+          <a:xfrm flipV="1">
+            <a:off x="7202862" y="2362811"/>
+            <a:ext cx="993164" cy="674997"/>
+          </a:xfrm>
+          <a:prstGeom prst="line">
+            <a:avLst/>
+          </a:prstGeom>
+          <a:ln w="19050">
+            <a:solidFill>
+              <a:srgbClr val="FF0000"/>
+            </a:solidFill>
+            <a:prstDash val="dash"/>
+          </a:ln>
+        </p:spPr>
+        <p:style>
+          <a:lnRef idx="1">
+            <a:schemeClr val="accent1"/>
+          </a:lnRef>
+          <a:fillRef idx="0">
+            <a:schemeClr val="accent1"/>
+          </a:fillRef>
+          <a:effectRef idx="0">
+            <a:schemeClr val="accent1"/>
+          </a:effectRef>
+          <a:fontRef idx="minor">
+            <a:schemeClr val="tx1"/>
+          </a:fontRef>
+        </p:style>
+      </p:cxnSp>
+      <p:sp>
+        <p:nvSpPr>
+          <p:cNvPr id="79" name="Rectangle 78">
+            <a:extLst>
+              <a:ext uri="{FF2B5EF4-FFF2-40B4-BE49-F238E27FC236}">
+                <a16:creationId xmlns:a16="http://schemas.microsoft.com/office/drawing/2014/main" id="{A08E9652-A644-A407-CFFB-F67E46DF5204}"/>
+              </a:ext>
+            </a:extLst>
+          </p:cNvPr>
+          <p:cNvSpPr/>
+          <p:nvPr/>
+        </p:nvSpPr>
+        <p:spPr>
+          <a:xfrm flipV="1">
+            <a:off x="7924079" y="2113643"/>
+            <a:ext cx="579832" cy="502062"/>
+          </a:xfrm>
+          <a:prstGeom prst="rect">
+            <a:avLst/>
+          </a:prstGeom>
+          <a:noFill/>
+          <a:ln>
+            <a:solidFill>
+              <a:schemeClr val="accent2">
+                <a:lumMod val="75000"/>
+              </a:schemeClr>
+            </a:solidFill>
+          </a:ln>
+        </p:spPr>
+        <p:style>
+          <a:lnRef idx="2">
+            <a:schemeClr val="accent1">
+              <a:shade val="50000"/>
+            </a:schemeClr>
+          </a:lnRef>
+          <a:fillRef idx="1">
+            <a:schemeClr val="accent1"/>
+          </a:fillRef>
+          <a:effectRef idx="0">
+            <a:schemeClr val="accent1"/>
+          </a:effectRef>
+          <a:fontRef idx="minor">
+            <a:schemeClr val="lt1"/>
+          </a:fontRef>
+        </p:style>
+        <p:txBody>
+          <a:bodyPr rtlCol="0" anchor="ctr"/>
+          <a:lstStyle/>
+          <a:p>
+            <a:pPr algn="ctr"/>
+            <a:endParaRPr lang="en-GB"/>
+          </a:p>
+        </p:txBody>
+      </p:sp>
+      <p:cxnSp>
+        <p:nvCxnSpPr>
+          <p:cNvPr id="80" name="Straight Connector 79">
+            <a:extLst>
+              <a:ext uri="{FF2B5EF4-FFF2-40B4-BE49-F238E27FC236}">
+                <a16:creationId xmlns:a16="http://schemas.microsoft.com/office/drawing/2014/main" id="{3400BF16-09C7-25DA-0EFD-081ED7E7A770}"/>
+              </a:ext>
+            </a:extLst>
+          </p:cNvPr>
+          <p:cNvCxnSpPr>
+            <a:cxnSpLocks/>
+          </p:cNvCxnSpPr>
+          <p:nvPr/>
+        </p:nvCxnSpPr>
+        <p:spPr>
+          <a:xfrm flipH="1" flipV="1">
+            <a:off x="8051328" y="2258512"/>
+            <a:ext cx="308114" cy="256303"/>
+          </a:xfrm>
+          <a:prstGeom prst="line">
+            <a:avLst/>
+          </a:prstGeom>
+          <a:ln w="19050">
+            <a:solidFill>
+              <a:schemeClr val="accent2">
+                <a:lumMod val="75000"/>
+              </a:schemeClr>
+            </a:solidFill>
+            <a:prstDash val="solid"/>
+          </a:ln>
+        </p:spPr>
+        <p:style>
+          <a:lnRef idx="1">
+            <a:schemeClr val="accent1"/>
+          </a:lnRef>
+          <a:fillRef idx="0">
+            <a:schemeClr val="accent1"/>
+          </a:fillRef>
+          <a:effectRef idx="0">
+            <a:schemeClr val="accent1"/>
+          </a:effectRef>
+          <a:fontRef idx="minor">
+            <a:schemeClr val="tx1"/>
+          </a:fontRef>
+        </p:style>
+      </p:cxnSp>
+      <p:cxnSp>
+        <p:nvCxnSpPr>
+          <p:cNvPr id="81" name="Straight Connector 80">
+            <a:extLst>
+              <a:ext uri="{FF2B5EF4-FFF2-40B4-BE49-F238E27FC236}">
+                <a16:creationId xmlns:a16="http://schemas.microsoft.com/office/drawing/2014/main" id="{962F81EA-4C2B-A816-2F3F-EDB59A7D2153}"/>
+              </a:ext>
+            </a:extLst>
+          </p:cNvPr>
+          <p:cNvCxnSpPr>
+            <a:cxnSpLocks/>
+          </p:cNvCxnSpPr>
+          <p:nvPr/>
+        </p:nvCxnSpPr>
+        <p:spPr>
+          <a:xfrm flipV="1">
+            <a:off x="3076047" y="3044971"/>
+            <a:ext cx="993164" cy="674997"/>
+          </a:xfrm>
+          <a:prstGeom prst="line">
+            <a:avLst/>
+          </a:prstGeom>
+          <a:ln w="19050">
+            <a:solidFill>
+              <a:srgbClr val="FF0000"/>
+            </a:solidFill>
+            <a:prstDash val="dash"/>
+          </a:ln>
+        </p:spPr>
+        <p:style>
+          <a:lnRef idx="1">
+            <a:schemeClr val="accent1"/>
+          </a:lnRef>
+          <a:fillRef idx="0">
+            <a:schemeClr val="accent1"/>
+          </a:fillRef>
+          <a:effectRef idx="0">
+            <a:schemeClr val="accent1"/>
+          </a:effectRef>
+          <a:fontRef idx="minor">
+            <a:schemeClr val="tx1"/>
+          </a:fontRef>
+        </p:style>
+      </p:cxnSp>
+      <p:sp>
+        <p:nvSpPr>
+          <p:cNvPr id="82" name="Rectangle 81">
+            <a:extLst>
+              <a:ext uri="{FF2B5EF4-FFF2-40B4-BE49-F238E27FC236}">
+                <a16:creationId xmlns:a16="http://schemas.microsoft.com/office/drawing/2014/main" id="{3BBC424C-13EC-4161-6316-05BA3F182D90}"/>
+              </a:ext>
+            </a:extLst>
+          </p:cNvPr>
+          <p:cNvSpPr/>
+          <p:nvPr/>
+        </p:nvSpPr>
+        <p:spPr>
+          <a:xfrm flipV="1">
+            <a:off x="2785834" y="3458169"/>
+            <a:ext cx="579832" cy="502062"/>
+          </a:xfrm>
+          <a:prstGeom prst="rect">
+            <a:avLst/>
+          </a:prstGeom>
+          <a:noFill/>
+          <a:ln>
+            <a:solidFill>
+              <a:schemeClr val="accent2">
+                <a:lumMod val="75000"/>
+              </a:schemeClr>
+            </a:solidFill>
+          </a:ln>
+        </p:spPr>
+        <p:style>
+          <a:lnRef idx="2">
+            <a:schemeClr val="accent1">
+              <a:shade val="50000"/>
+            </a:schemeClr>
+          </a:lnRef>
+          <a:fillRef idx="1">
+            <a:schemeClr val="accent1"/>
+          </a:fillRef>
+          <a:effectRef idx="0">
+            <a:schemeClr val="accent1"/>
+          </a:effectRef>
+          <a:fontRef idx="minor">
+            <a:schemeClr val="lt1"/>
+          </a:fontRef>
+        </p:style>
+        <p:txBody>
+          <a:bodyPr rtlCol="0" anchor="ctr"/>
+          <a:lstStyle/>
+          <a:p>
+            <a:pPr algn="ctr"/>
+            <a:endParaRPr lang="en-GB"/>
+          </a:p>
+        </p:txBody>
+      </p:sp>
+      <p:cxnSp>
+        <p:nvCxnSpPr>
+          <p:cNvPr id="83" name="Straight Connector 82">
+            <a:extLst>
+              <a:ext uri="{FF2B5EF4-FFF2-40B4-BE49-F238E27FC236}">
+                <a16:creationId xmlns:a16="http://schemas.microsoft.com/office/drawing/2014/main" id="{4802D49B-2AB6-AEA4-7C01-ED0DE5FEFA94}"/>
+              </a:ext>
+            </a:extLst>
+          </p:cNvPr>
+          <p:cNvCxnSpPr>
+            <a:cxnSpLocks/>
+          </p:cNvCxnSpPr>
+          <p:nvPr/>
+        </p:nvCxnSpPr>
+        <p:spPr>
+          <a:xfrm flipH="1" flipV="1">
+            <a:off x="2913083" y="3603038"/>
+            <a:ext cx="308114" cy="256303"/>
+          </a:xfrm>
+          <a:prstGeom prst="line">
+            <a:avLst/>
+          </a:prstGeom>
+          <a:ln w="19050">
+            <a:solidFill>
+              <a:schemeClr val="accent2">
+                <a:lumMod val="75000"/>
+              </a:schemeClr>
+            </a:solidFill>
+            <a:prstDash val="solid"/>
+          </a:ln>
+        </p:spPr>
+        <p:style>
+          <a:lnRef idx="1">
+            <a:schemeClr val="accent1"/>
+          </a:lnRef>
+          <a:fillRef idx="0">
+            <a:schemeClr val="accent1"/>
+          </a:fillRef>
+          <a:effectRef idx="0">
+            <a:schemeClr val="accent1"/>
+          </a:effectRef>
+          <a:fontRef idx="minor">
+            <a:schemeClr val="tx1"/>
+          </a:fontRef>
+        </p:style>
+      </p:cxnSp>
+      <p:cxnSp>
+        <p:nvCxnSpPr>
+          <p:cNvPr id="92" name="Straight Connector 91">
+            <a:extLst>
+              <a:ext uri="{FF2B5EF4-FFF2-40B4-BE49-F238E27FC236}">
+                <a16:creationId xmlns:a16="http://schemas.microsoft.com/office/drawing/2014/main" id="{3A253E40-7B49-D94B-E60B-4B5E7B50246D}"/>
+              </a:ext>
+            </a:extLst>
+          </p:cNvPr>
+          <p:cNvCxnSpPr>
+            <a:cxnSpLocks/>
+          </p:cNvCxnSpPr>
+          <p:nvPr/>
+        </p:nvCxnSpPr>
+        <p:spPr>
+          <a:xfrm>
+            <a:off x="7202862" y="3147073"/>
+            <a:ext cx="0" cy="2724337"/>
+          </a:xfrm>
+          <a:prstGeom prst="line">
+            <a:avLst/>
+          </a:prstGeom>
+          <a:ln w="19050">
+            <a:prstDash val="dash"/>
+          </a:ln>
+        </p:spPr>
+        <p:style>
+          <a:lnRef idx="1">
+            <a:schemeClr val="accent1"/>
+          </a:lnRef>
+          <a:fillRef idx="0">
+            <a:schemeClr val="accent1"/>
+          </a:fillRef>
+          <a:effectRef idx="0">
+            <a:schemeClr val="accent1"/>
+          </a:effectRef>
+          <a:fontRef idx="minor">
+            <a:schemeClr val="tx1"/>
+          </a:fontRef>
+        </p:style>
+      </p:cxnSp>
+      <p:cxnSp>
+        <p:nvCxnSpPr>
+          <p:cNvPr id="96" name="Straight Connector 95">
+            <a:extLst>
+              <a:ext uri="{FF2B5EF4-FFF2-40B4-BE49-F238E27FC236}">
+                <a16:creationId xmlns:a16="http://schemas.microsoft.com/office/drawing/2014/main" id="{C302CF49-8114-A726-4DF4-53E679371202}"/>
+              </a:ext>
+            </a:extLst>
+          </p:cNvPr>
+          <p:cNvCxnSpPr>
+            <a:cxnSpLocks/>
+          </p:cNvCxnSpPr>
+          <p:nvPr/>
+        </p:nvCxnSpPr>
+        <p:spPr>
+          <a:xfrm>
+            <a:off x="7200799" y="3077756"/>
+            <a:ext cx="993164" cy="674997"/>
+          </a:xfrm>
+          <a:prstGeom prst="line">
+            <a:avLst/>
+          </a:prstGeom>
+          <a:ln w="19050">
+            <a:solidFill>
+              <a:srgbClr val="FF0000"/>
+            </a:solidFill>
+            <a:prstDash val="dash"/>
+          </a:ln>
+        </p:spPr>
+        <p:style>
+          <a:lnRef idx="1">
+            <a:schemeClr val="accent1"/>
+          </a:lnRef>
+          <a:fillRef idx="0">
+            <a:schemeClr val="accent1"/>
+          </a:fillRef>
+          <a:effectRef idx="0">
+            <a:schemeClr val="accent1"/>
+          </a:effectRef>
+          <a:fontRef idx="minor">
+            <a:schemeClr val="tx1"/>
+          </a:fontRef>
+        </p:style>
+      </p:cxnSp>
+      <p:sp>
+        <p:nvSpPr>
+          <p:cNvPr id="97" name="Rectangle 96">
+            <a:extLst>
+              <a:ext uri="{FF2B5EF4-FFF2-40B4-BE49-F238E27FC236}">
+                <a16:creationId xmlns:a16="http://schemas.microsoft.com/office/drawing/2014/main" id="{89F878AD-1F18-B7AC-233A-6DB7BC1FB06A}"/>
+              </a:ext>
+            </a:extLst>
+          </p:cNvPr>
+          <p:cNvSpPr/>
+          <p:nvPr/>
+        </p:nvSpPr>
+        <p:spPr>
+          <a:xfrm>
+            <a:off x="7904047" y="3468937"/>
+            <a:ext cx="579832" cy="502062"/>
+          </a:xfrm>
+          <a:prstGeom prst="rect">
+            <a:avLst/>
+          </a:prstGeom>
+          <a:noFill/>
+          <a:ln>
+            <a:solidFill>
+              <a:schemeClr val="accent2">
+                <a:lumMod val="75000"/>
+              </a:schemeClr>
+            </a:solidFill>
+          </a:ln>
+        </p:spPr>
+        <p:style>
+          <a:lnRef idx="2">
+            <a:schemeClr val="accent1">
+              <a:shade val="50000"/>
+            </a:schemeClr>
+          </a:lnRef>
+          <a:fillRef idx="1">
+            <a:schemeClr val="accent1"/>
+          </a:fillRef>
+          <a:effectRef idx="0">
+            <a:schemeClr val="accent1"/>
+          </a:effectRef>
+          <a:fontRef idx="minor">
+            <a:schemeClr val="lt1"/>
+          </a:fontRef>
+        </p:style>
+        <p:txBody>
+          <a:bodyPr rtlCol="0" anchor="ctr"/>
+          <a:lstStyle/>
+          <a:p>
+            <a:pPr algn="ctr"/>
+            <a:endParaRPr lang="en-GB"/>
+          </a:p>
+        </p:txBody>
+      </p:sp>
+      <p:cxnSp>
+        <p:nvCxnSpPr>
+          <p:cNvPr id="98" name="Straight Connector 97">
+            <a:extLst>
+              <a:ext uri="{FF2B5EF4-FFF2-40B4-BE49-F238E27FC236}">
+                <a16:creationId xmlns:a16="http://schemas.microsoft.com/office/drawing/2014/main" id="{53D25916-53CF-8BA8-204F-A578018E42D4}"/>
+              </a:ext>
+            </a:extLst>
+          </p:cNvPr>
+          <p:cNvCxnSpPr>
+            <a:cxnSpLocks/>
+          </p:cNvCxnSpPr>
+          <p:nvPr/>
+        </p:nvCxnSpPr>
+        <p:spPr>
+          <a:xfrm flipH="1">
+            <a:off x="8031296" y="3613806"/>
+            <a:ext cx="308114" cy="256303"/>
+          </a:xfrm>
+          <a:prstGeom prst="line">
+            <a:avLst/>
+          </a:prstGeom>
+          <a:ln w="19050">
+            <a:solidFill>
+              <a:schemeClr val="accent2">
+                <a:lumMod val="75000"/>
+              </a:schemeClr>
+            </a:solidFill>
+            <a:prstDash val="solid"/>
+          </a:ln>
+        </p:spPr>
+        <p:style>
+          <a:lnRef idx="1">
+            <a:schemeClr val="accent1"/>
+          </a:lnRef>
+          <a:fillRef idx="0">
+            <a:schemeClr val="accent1"/>
+          </a:fillRef>
+          <a:effectRef idx="0">
+            <a:schemeClr val="accent1"/>
+          </a:effectRef>
+          <a:fontRef idx="minor">
+            <a:schemeClr val="tx1"/>
+          </a:fontRef>
+        </p:style>
+      </p:cxnSp>
+      <p:cxnSp>
+        <p:nvCxnSpPr>
+          <p:cNvPr id="103" name="Straight Arrow Connector 102">
+            <a:extLst>
+              <a:ext uri="{FF2B5EF4-FFF2-40B4-BE49-F238E27FC236}">
+                <a16:creationId xmlns:a16="http://schemas.microsoft.com/office/drawing/2014/main" id="{87A16B8A-6581-B4E3-10F8-BA11915ED190}"/>
+              </a:ext>
+            </a:extLst>
+          </p:cNvPr>
+          <p:cNvCxnSpPr>
+            <a:cxnSpLocks/>
+          </p:cNvCxnSpPr>
+          <p:nvPr/>
+        </p:nvCxnSpPr>
+        <p:spPr>
+          <a:xfrm>
+            <a:off x="1631008" y="5358768"/>
+            <a:ext cx="5582100" cy="0"/>
+          </a:xfrm>
+          <a:prstGeom prst="straightConnector1">
+            <a:avLst/>
+          </a:prstGeom>
+          <a:ln w="38100">
+            <a:headEnd type="triangle"/>
+            <a:tailEnd type="triangle"/>
+          </a:ln>
+        </p:spPr>
+        <p:style>
+          <a:lnRef idx="1">
+            <a:schemeClr val="accent1"/>
+          </a:lnRef>
+          <a:fillRef idx="0">
+            <a:schemeClr val="accent1"/>
+          </a:fillRef>
+          <a:effectRef idx="0">
+            <a:schemeClr val="accent1"/>
+          </a:effectRef>
+          <a:fontRef idx="minor">
+            <a:schemeClr val="tx1"/>
+          </a:fontRef>
+        </p:style>
+      </p:cxnSp>
+      <p:cxnSp>
+        <p:nvCxnSpPr>
+          <p:cNvPr id="106" name="Straight Arrow Connector 105">
+            <a:extLst>
+              <a:ext uri="{FF2B5EF4-FFF2-40B4-BE49-F238E27FC236}">
+                <a16:creationId xmlns:a16="http://schemas.microsoft.com/office/drawing/2014/main" id="{10C780A1-8E22-F371-77EC-CA5542B543FB}"/>
+              </a:ext>
+            </a:extLst>
+          </p:cNvPr>
+          <p:cNvCxnSpPr>
+            <a:cxnSpLocks/>
+          </p:cNvCxnSpPr>
+          <p:nvPr/>
+        </p:nvCxnSpPr>
+        <p:spPr>
+          <a:xfrm>
+            <a:off x="1616880" y="4863671"/>
+            <a:ext cx="2474468" cy="0"/>
+          </a:xfrm>
+          <a:prstGeom prst="straightConnector1">
+            <a:avLst/>
+          </a:prstGeom>
+          <a:ln w="38100">
+            <a:headEnd type="triangle"/>
+            <a:tailEnd type="triangle"/>
+          </a:ln>
+        </p:spPr>
+        <p:style>
+          <a:lnRef idx="1">
+            <a:schemeClr val="accent1"/>
+          </a:lnRef>
+          <a:fillRef idx="0">
+            <a:schemeClr val="accent1"/>
+          </a:fillRef>
+          <a:effectRef idx="0">
+            <a:schemeClr val="accent1"/>
+          </a:effectRef>
+          <a:fontRef idx="minor">
+            <a:schemeClr val="tx1"/>
+          </a:fontRef>
+        </p:style>
+      </p:cxnSp>
+      <p:sp>
+        <p:nvSpPr>
+          <p:cNvPr id="115" name="TextBox 114">
+            <a:extLst>
+              <a:ext uri="{FF2B5EF4-FFF2-40B4-BE49-F238E27FC236}">
+                <a16:creationId xmlns:a16="http://schemas.microsoft.com/office/drawing/2014/main" id="{D7FF5A3E-1804-C0A1-052F-F640662B5450}"/>
+              </a:ext>
+            </a:extLst>
+          </p:cNvPr>
+          <p:cNvSpPr txBox="1"/>
+          <p:nvPr/>
+        </p:nvSpPr>
+        <p:spPr>
+          <a:xfrm>
+            <a:off x="2641729" y="4838740"/>
+            <a:ext cx="953037" cy="400110"/>
+          </a:xfrm>
+          <a:prstGeom prst="rect">
+            <a:avLst/>
+          </a:prstGeom>
+          <a:noFill/>
+        </p:spPr>
+        <p:txBody>
+          <a:bodyPr wrap="square" rtlCol="0">
+            <a:spAutoFit/>
+          </a:bodyPr>
+          <a:lstStyle/>
+          <a:p>
+            <a:r>
+              <a:rPr lang="en-US" sz="2000" dirty="0"/>
+              <a:t>L</a:t>
+            </a:r>
+            <a:r>
+              <a:rPr lang="en-US" sz="2000" baseline="-25000" dirty="0"/>
+              <a:t>A</a:t>
+            </a:r>
+          </a:p>
+        </p:txBody>
+      </p:sp>
+      <p:sp>
+        <p:nvSpPr>
+          <p:cNvPr id="116" name="TextBox 115">
+            <a:extLst>
+              <a:ext uri="{FF2B5EF4-FFF2-40B4-BE49-F238E27FC236}">
+                <a16:creationId xmlns:a16="http://schemas.microsoft.com/office/drawing/2014/main" id="{33A55FBA-628E-9AF1-2AA5-CE6CE78C7E8E}"/>
+              </a:ext>
+            </a:extLst>
+          </p:cNvPr>
+          <p:cNvSpPr txBox="1"/>
+          <p:nvPr/>
+        </p:nvSpPr>
+        <p:spPr>
+          <a:xfrm>
+            <a:off x="2705048" y="5340991"/>
+            <a:ext cx="953037" cy="400110"/>
+          </a:xfrm>
+          <a:prstGeom prst="rect">
+            <a:avLst/>
+          </a:prstGeom>
+          <a:noFill/>
+        </p:spPr>
+        <p:txBody>
+          <a:bodyPr wrap="square" rtlCol="0">
+            <a:spAutoFit/>
+          </a:bodyPr>
+          <a:lstStyle/>
+          <a:p>
+            <a:r>
+              <a:rPr lang="en-US" sz="2000" dirty="0"/>
+              <a:t>L</a:t>
+            </a:r>
+            <a:r>
+              <a:rPr lang="en-US" sz="2000" baseline="-25000" dirty="0"/>
+              <a:t>B</a:t>
+            </a:r>
+          </a:p>
+        </p:txBody>
+      </p:sp>
+      <p:cxnSp>
+        <p:nvCxnSpPr>
+          <p:cNvPr id="48" name="Straight Arrow Connector 47">
+            <a:extLst>
+              <a:ext uri="{FF2B5EF4-FFF2-40B4-BE49-F238E27FC236}">
+                <a16:creationId xmlns:a16="http://schemas.microsoft.com/office/drawing/2014/main" id="{302024F7-8CD3-0DBB-859C-0B2FB531D4AA}"/>
+              </a:ext>
+            </a:extLst>
+          </p:cNvPr>
+          <p:cNvCxnSpPr>
+            <a:cxnSpLocks/>
+          </p:cNvCxnSpPr>
+          <p:nvPr/>
+        </p:nvCxnSpPr>
+        <p:spPr>
+          <a:xfrm>
+            <a:off x="8607975" y="4861432"/>
+            <a:ext cx="2510826" cy="0"/>
+          </a:xfrm>
+          <a:prstGeom prst="straightConnector1">
+            <a:avLst/>
+          </a:prstGeom>
+          <a:ln w="38100">
+            <a:headEnd type="triangle"/>
+            <a:tailEnd type="triangle"/>
+          </a:ln>
+        </p:spPr>
+        <p:style>
+          <a:lnRef idx="1">
+            <a:schemeClr val="accent1"/>
+          </a:lnRef>
+          <a:fillRef idx="0">
+            <a:schemeClr val="accent1"/>
+          </a:fillRef>
+          <a:effectRef idx="0">
+            <a:schemeClr val="accent1"/>
+          </a:effectRef>
+          <a:fontRef idx="minor">
+            <a:schemeClr val="tx1"/>
+          </a:fontRef>
+        </p:style>
+      </p:cxnSp>
+      <p:sp>
+        <p:nvSpPr>
+          <p:cNvPr id="50" name="TextBox 49">
+            <a:extLst>
+              <a:ext uri="{FF2B5EF4-FFF2-40B4-BE49-F238E27FC236}">
+                <a16:creationId xmlns:a16="http://schemas.microsoft.com/office/drawing/2014/main" id="{07F60829-7302-B486-40D2-171F360173EA}"/>
+              </a:ext>
+            </a:extLst>
+          </p:cNvPr>
+          <p:cNvSpPr txBox="1"/>
+          <p:nvPr/>
+        </p:nvSpPr>
+        <p:spPr>
+          <a:xfrm>
+            <a:off x="9669182" y="4836501"/>
+            <a:ext cx="953037" cy="400110"/>
+          </a:xfrm>
+          <a:prstGeom prst="rect">
+            <a:avLst/>
+          </a:prstGeom>
+          <a:noFill/>
+        </p:spPr>
+        <p:txBody>
+          <a:bodyPr wrap="square" rtlCol="0">
+            <a:spAutoFit/>
+          </a:bodyPr>
+          <a:lstStyle/>
+          <a:p>
+            <a:r>
+              <a:rPr lang="en-US" sz="2000" dirty="0" err="1"/>
+              <a:t>L</a:t>
+            </a:r>
+            <a:r>
+              <a:rPr lang="en-US" sz="2000" baseline="-25000" dirty="0" err="1"/>
+              <a:t>pp</a:t>
+            </a:r>
+            <a:endParaRPr lang="en-US" sz="2000" baseline="-25000" dirty="0"/>
+          </a:p>
+        </p:txBody>
+      </p:sp>
+      <p:cxnSp>
+        <p:nvCxnSpPr>
+          <p:cNvPr id="59" name="Straight Arrow Connector 58">
+            <a:extLst>
+              <a:ext uri="{FF2B5EF4-FFF2-40B4-BE49-F238E27FC236}">
+                <a16:creationId xmlns:a16="http://schemas.microsoft.com/office/drawing/2014/main" id="{41536491-EA34-AD79-C238-C617318FD3DD}"/>
+              </a:ext>
+            </a:extLst>
+          </p:cNvPr>
+          <p:cNvCxnSpPr>
+            <a:cxnSpLocks/>
+          </p:cNvCxnSpPr>
+          <p:nvPr/>
+        </p:nvCxnSpPr>
+        <p:spPr>
+          <a:xfrm>
+            <a:off x="4108642" y="4863671"/>
+            <a:ext cx="4472837" cy="0"/>
+          </a:xfrm>
+          <a:prstGeom prst="straightConnector1">
+            <a:avLst/>
+          </a:prstGeom>
+          <a:ln w="38100">
+            <a:headEnd type="triangle"/>
+            <a:tailEnd type="triangle"/>
+          </a:ln>
+        </p:spPr>
+        <p:style>
+          <a:lnRef idx="1">
+            <a:schemeClr val="accent1"/>
+          </a:lnRef>
+          <a:fillRef idx="0">
+            <a:schemeClr val="accent1"/>
+          </a:fillRef>
+          <a:effectRef idx="0">
+            <a:schemeClr val="accent1"/>
+          </a:effectRef>
+          <a:fontRef idx="minor">
+            <a:schemeClr val="tx1"/>
+          </a:fontRef>
+        </p:style>
+      </p:cxnSp>
+      <p:sp>
+        <p:nvSpPr>
+          <p:cNvPr id="61" name="TextBox 60">
+            <a:extLst>
+              <a:ext uri="{FF2B5EF4-FFF2-40B4-BE49-F238E27FC236}">
+                <a16:creationId xmlns:a16="http://schemas.microsoft.com/office/drawing/2014/main" id="{3A22DDF5-F793-E6D2-F3EB-7843D59F27EA}"/>
+              </a:ext>
+            </a:extLst>
+          </p:cNvPr>
+          <p:cNvSpPr txBox="1"/>
+          <p:nvPr/>
+        </p:nvSpPr>
+        <p:spPr>
+          <a:xfrm>
+            <a:off x="5133491" y="4838740"/>
+            <a:ext cx="953037" cy="400110"/>
+          </a:xfrm>
+          <a:prstGeom prst="rect">
+            <a:avLst/>
+          </a:prstGeom>
+          <a:noFill/>
+        </p:spPr>
+        <p:txBody>
+          <a:bodyPr wrap="square" rtlCol="0">
+            <a:spAutoFit/>
+          </a:bodyPr>
+          <a:lstStyle/>
+          <a:p>
+            <a:r>
+              <a:rPr lang="en-US" sz="2000" dirty="0"/>
+              <a:t>L</a:t>
+            </a:r>
+            <a:r>
+              <a:rPr lang="en-US" sz="2000" baseline="-25000" dirty="0"/>
+              <a:t>ap</a:t>
+            </a:r>
+          </a:p>
+        </p:txBody>
+      </p:sp>
+      <p:cxnSp>
+        <p:nvCxnSpPr>
+          <p:cNvPr id="71" name="Straight Arrow Connector 70">
+            <a:extLst>
+              <a:ext uri="{FF2B5EF4-FFF2-40B4-BE49-F238E27FC236}">
+                <a16:creationId xmlns:a16="http://schemas.microsoft.com/office/drawing/2014/main" id="{E4FA5ADA-9C68-0DC0-3863-690E5654CBBC}"/>
+              </a:ext>
+            </a:extLst>
+          </p:cNvPr>
+          <p:cNvCxnSpPr>
+            <a:cxnSpLocks/>
+          </p:cNvCxnSpPr>
+          <p:nvPr/>
+        </p:nvCxnSpPr>
+        <p:spPr>
+          <a:xfrm>
+            <a:off x="7211736" y="5356590"/>
+            <a:ext cx="1369743" cy="0"/>
+          </a:xfrm>
+          <a:prstGeom prst="straightConnector1">
+            <a:avLst/>
+          </a:prstGeom>
+          <a:ln w="38100">
+            <a:headEnd type="triangle"/>
+            <a:tailEnd type="triangle"/>
+          </a:ln>
+        </p:spPr>
+        <p:style>
+          <a:lnRef idx="1">
+            <a:schemeClr val="accent1"/>
+          </a:lnRef>
+          <a:fillRef idx="0">
+            <a:schemeClr val="accent1"/>
+          </a:fillRef>
+          <a:effectRef idx="0">
+            <a:schemeClr val="accent1"/>
+          </a:effectRef>
+          <a:fontRef idx="minor">
+            <a:schemeClr val="tx1"/>
+          </a:fontRef>
+        </p:style>
+      </p:cxnSp>
+      <p:sp>
+        <p:nvSpPr>
+          <p:cNvPr id="84" name="TextBox 83">
+            <a:extLst>
+              <a:ext uri="{FF2B5EF4-FFF2-40B4-BE49-F238E27FC236}">
+                <a16:creationId xmlns:a16="http://schemas.microsoft.com/office/drawing/2014/main" id="{8296EA33-B735-69B3-BAF9-2C557BBD5A5F}"/>
+              </a:ext>
+            </a:extLst>
+          </p:cNvPr>
+          <p:cNvSpPr txBox="1"/>
+          <p:nvPr/>
+        </p:nvSpPr>
+        <p:spPr>
+          <a:xfrm>
+            <a:off x="7611878" y="5316435"/>
+            <a:ext cx="953037" cy="400110"/>
+          </a:xfrm>
+          <a:prstGeom prst="rect">
+            <a:avLst/>
+          </a:prstGeom>
+          <a:noFill/>
+        </p:spPr>
+        <p:txBody>
+          <a:bodyPr wrap="square" rtlCol="0">
+            <a:spAutoFit/>
+          </a:bodyPr>
+          <a:lstStyle/>
+          <a:p>
+            <a:r>
+              <a:rPr lang="en-US" sz="2000" dirty="0" err="1"/>
+              <a:t>L</a:t>
+            </a:r>
+            <a:r>
+              <a:rPr lang="en-US" sz="2000" baseline="-25000" dirty="0" err="1"/>
+              <a:t>bp</a:t>
+            </a:r>
+            <a:endParaRPr lang="en-US" sz="2000" baseline="-25000" dirty="0"/>
+          </a:p>
+        </p:txBody>
+      </p:sp>
+      <p:cxnSp>
+        <p:nvCxnSpPr>
+          <p:cNvPr id="85" name="Straight Arrow Connector 84">
+            <a:extLst>
+              <a:ext uri="{FF2B5EF4-FFF2-40B4-BE49-F238E27FC236}">
+                <a16:creationId xmlns:a16="http://schemas.microsoft.com/office/drawing/2014/main" id="{8DE41CBF-10BC-8040-88F3-C00284613F03}"/>
+              </a:ext>
+            </a:extLst>
+          </p:cNvPr>
+          <p:cNvCxnSpPr>
+            <a:cxnSpLocks/>
+          </p:cNvCxnSpPr>
+          <p:nvPr/>
+        </p:nvCxnSpPr>
+        <p:spPr>
+          <a:xfrm>
+            <a:off x="7194291" y="5871410"/>
+            <a:ext cx="3918879" cy="0"/>
+          </a:xfrm>
+          <a:prstGeom prst="straightConnector1">
+            <a:avLst/>
+          </a:prstGeom>
+          <a:ln w="38100">
+            <a:headEnd type="triangle"/>
+            <a:tailEnd type="triangle"/>
+          </a:ln>
+        </p:spPr>
+        <p:style>
+          <a:lnRef idx="1">
+            <a:schemeClr val="accent1"/>
+          </a:lnRef>
+          <a:fillRef idx="0">
+            <a:schemeClr val="accent1"/>
+          </a:fillRef>
+          <a:effectRef idx="0">
+            <a:schemeClr val="accent1"/>
+          </a:effectRef>
+          <a:fontRef idx="minor">
+            <a:schemeClr val="tx1"/>
+          </a:fontRef>
+        </p:style>
+      </p:cxnSp>
+      <p:sp>
+        <p:nvSpPr>
+          <p:cNvPr id="86" name="TextBox 85">
+            <a:extLst>
+              <a:ext uri="{FF2B5EF4-FFF2-40B4-BE49-F238E27FC236}">
+                <a16:creationId xmlns:a16="http://schemas.microsoft.com/office/drawing/2014/main" id="{A86D64CB-A0FF-5DA4-DC55-78E49679491A}"/>
+              </a:ext>
+            </a:extLst>
+          </p:cNvPr>
+          <p:cNvSpPr txBox="1"/>
+          <p:nvPr/>
+        </p:nvSpPr>
+        <p:spPr>
+          <a:xfrm>
+            <a:off x="8932766" y="5828749"/>
+            <a:ext cx="953037" cy="400110"/>
+          </a:xfrm>
+          <a:prstGeom prst="rect">
+            <a:avLst/>
+          </a:prstGeom>
+          <a:noFill/>
+        </p:spPr>
+        <p:txBody>
+          <a:bodyPr wrap="square" rtlCol="0">
+            <a:spAutoFit/>
+          </a:bodyPr>
+          <a:lstStyle/>
+          <a:p>
+            <a:r>
+              <a:rPr lang="en-US" sz="2000" dirty="0" err="1"/>
+              <a:t>L</a:t>
+            </a:r>
+            <a:r>
+              <a:rPr lang="en-US" sz="2000" baseline="-25000" dirty="0" err="1"/>
+              <a:t>bpp</a:t>
+            </a:r>
+            <a:endParaRPr lang="en-US" sz="2000" baseline="-25000" dirty="0"/>
+          </a:p>
+        </p:txBody>
+      </p:sp>
+    </p:spTree>
+    <p:extLst>
+      <p:ext uri="{BB962C8B-B14F-4D97-AF65-F5344CB8AC3E}">
+        <p14:creationId xmlns:p14="http://schemas.microsoft.com/office/powerpoint/2010/main" val="2080931914"/>
       </p:ext>
     </p:extLst>
   </p:cSld>
